--- a/A类-1801047-TempName-2018网络零售平台商品分类项目文件包/A类-1801047-TempName-2018网络零售平台商品分类项目简介PPT.pptx
+++ b/A类-1801047-TempName-2018网络零售平台商品分类项目文件包/A类-1801047-TempName-2018网络零售平台商品分类项目简介PPT.pptx
@@ -8,7 +8,7 @@
     <p:notesMasterId r:id="rId4"/>
   </p:notesMasterIdLst>
   <p:handoutMasterIdLst>
-    <p:handoutMasterId r:id="rId23"/>
+    <p:handoutMasterId r:id="rId26"/>
   </p:handoutMasterIdLst>
   <p:sldIdLst>
     <p:sldId id="3223" r:id="rId3"/>
@@ -25,16 +25,19 @@
     <p:sldId id="3246" r:id="rId15"/>
     <p:sldId id="3176" r:id="rId16"/>
     <p:sldId id="3247" r:id="rId17"/>
-    <p:sldId id="3272" r:id="rId18"/>
-    <p:sldId id="3273" r:id="rId19"/>
-    <p:sldId id="3278" r:id="rId20"/>
-    <p:sldId id="3277" r:id="rId21"/>
-    <p:sldId id="3229" r:id="rId22"/>
+    <p:sldId id="3327" r:id="rId18"/>
+    <p:sldId id="3330" r:id="rId19"/>
+    <p:sldId id="3331" r:id="rId20"/>
+    <p:sldId id="3272" r:id="rId21"/>
+    <p:sldId id="3273" r:id="rId22"/>
+    <p:sldId id="3278" r:id="rId23"/>
+    <p:sldId id="3277" r:id="rId24"/>
+    <p:sldId id="3229" r:id="rId25"/>
   </p:sldIdLst>
   <p:sldSz cx="12858750" cy="7232650"/>
   <p:notesSz cx="6858000" cy="9144000"/>
   <p:custDataLst>
-    <p:tags r:id="rId27"/>
+    <p:tags r:id="rId30"/>
   </p:custDataLst>
   <p:defaultTextStyle>
     <a:defPPr>
@@ -1647,6 +1650,240 @@
               <a:t>My First Template</a:t>
             </a:r>
             <a:endParaRPr lang="en-US" dirty="0"/>
+          </a:p>
+        </p:txBody>
+      </p:sp>
+    </p:spTree>
+  </p:cSld>
+  <p:clrMapOvr>
+    <a:masterClrMapping/>
+  </p:clrMapOvr>
+</p:notes>
+</file>
+
+<file path=ppt/notesSlides/notesSlide20.xml><?xml version="1.0" encoding="utf-8"?>
+<p:notes xmlns:a="http://schemas.openxmlformats.org/drawingml/2006/main" xmlns:r="http://schemas.openxmlformats.org/officeDocument/2006/relationships" xmlns:p="http://schemas.openxmlformats.org/presentationml/2006/main">
+  <p:cSld>
+    <p:spTree>
+      <p:nvGrpSpPr>
+        <p:cNvPr id="1" name=""/>
+        <p:cNvGrpSpPr/>
+        <p:nvPr/>
+      </p:nvGrpSpPr>
+      <p:grpSpPr>
+        <a:xfrm>
+          <a:off x="0" y="0"/>
+          <a:ext cx="0" cy="0"/>
+          <a:chOff x="0" y="0"/>
+          <a:chExt cx="0" cy="0"/>
+        </a:xfrm>
+      </p:grpSpPr>
+      <p:sp>
+        <p:nvSpPr>
+          <p:cNvPr id="2" name="幻灯片图像占位符 1"/>
+          <p:cNvSpPr>
+            <a:spLocks noGrp="1" noRot="1" noChangeAspect="1"/>
+          </p:cNvSpPr>
+          <p:nvPr>
+            <p:ph type="sldImg"/>
+          </p:nvPr>
+        </p:nvSpPr>
+        <p:spPr/>
+      </p:sp>
+      <p:sp>
+        <p:nvSpPr>
+          <p:cNvPr id="3" name="备注占位符 2"/>
+          <p:cNvSpPr>
+            <a:spLocks noGrp="1"/>
+          </p:cNvSpPr>
+          <p:nvPr>
+            <p:ph type="body" idx="1"/>
+          </p:nvPr>
+        </p:nvSpPr>
+        <p:spPr/>
+        <p:txBody>
+          <a:bodyPr/>
+          <a:lstStyle/>
+          <a:p>
+            <a:endParaRPr lang="zh-CN" altLang="en-US"/>
+          </a:p>
+        </p:txBody>
+      </p:sp>
+      <p:sp>
+        <p:nvSpPr>
+          <p:cNvPr id="4" name="灯片编号占位符 3"/>
+          <p:cNvSpPr>
+            <a:spLocks noGrp="1"/>
+          </p:cNvSpPr>
+          <p:nvPr>
+            <p:ph type="sldNum" sz="quarter" idx="10"/>
+          </p:nvPr>
+        </p:nvSpPr>
+        <p:spPr/>
+        <p:txBody>
+          <a:bodyPr/>
+          <a:lstStyle/>
+          <a:p>
+            <a:fld id="{418F03C3-53C1-4F10-8DAF-D1F318E96C6E}" type="slidenum">
+              <a:rPr lang="zh-CN" altLang="en-US" smtClean="0"/>
+            </a:fld>
+            <a:endParaRPr lang="zh-CN" altLang="en-US"/>
+          </a:p>
+        </p:txBody>
+      </p:sp>
+    </p:spTree>
+  </p:cSld>
+  <p:clrMapOvr>
+    <a:masterClrMapping/>
+  </p:clrMapOvr>
+</p:notes>
+</file>
+
+<file path=ppt/notesSlides/notesSlide21.xml><?xml version="1.0" encoding="utf-8"?>
+<p:notes xmlns:a="http://schemas.openxmlformats.org/drawingml/2006/main" xmlns:r="http://schemas.openxmlformats.org/officeDocument/2006/relationships" xmlns:p="http://schemas.openxmlformats.org/presentationml/2006/main">
+  <p:cSld>
+    <p:spTree>
+      <p:nvGrpSpPr>
+        <p:cNvPr id="1" name=""/>
+        <p:cNvGrpSpPr/>
+        <p:nvPr/>
+      </p:nvGrpSpPr>
+      <p:grpSpPr>
+        <a:xfrm>
+          <a:off x="0" y="0"/>
+          <a:ext cx="0" cy="0"/>
+          <a:chOff x="0" y="0"/>
+          <a:chExt cx="0" cy="0"/>
+        </a:xfrm>
+      </p:grpSpPr>
+      <p:sp>
+        <p:nvSpPr>
+          <p:cNvPr id="2" name="幻灯片图像占位符 1"/>
+          <p:cNvSpPr>
+            <a:spLocks noGrp="1" noRot="1" noChangeAspect="1"/>
+          </p:cNvSpPr>
+          <p:nvPr>
+            <p:ph type="sldImg"/>
+          </p:nvPr>
+        </p:nvSpPr>
+        <p:spPr/>
+      </p:sp>
+      <p:sp>
+        <p:nvSpPr>
+          <p:cNvPr id="3" name="备注占位符 2"/>
+          <p:cNvSpPr>
+            <a:spLocks noGrp="1"/>
+          </p:cNvSpPr>
+          <p:nvPr>
+            <p:ph type="body" idx="1"/>
+          </p:nvPr>
+        </p:nvSpPr>
+        <p:spPr/>
+        <p:txBody>
+          <a:bodyPr/>
+          <a:lstStyle/>
+          <a:p>
+            <a:endParaRPr lang="zh-CN" altLang="en-US"/>
+          </a:p>
+        </p:txBody>
+      </p:sp>
+      <p:sp>
+        <p:nvSpPr>
+          <p:cNvPr id="4" name="灯片编号占位符 3"/>
+          <p:cNvSpPr>
+            <a:spLocks noGrp="1"/>
+          </p:cNvSpPr>
+          <p:nvPr>
+            <p:ph type="sldNum" sz="quarter" idx="10"/>
+          </p:nvPr>
+        </p:nvSpPr>
+        <p:spPr/>
+        <p:txBody>
+          <a:bodyPr/>
+          <a:lstStyle/>
+          <a:p>
+            <a:fld id="{418F03C3-53C1-4F10-8DAF-D1F318E96C6E}" type="slidenum">
+              <a:rPr lang="zh-CN" altLang="en-US" smtClean="0"/>
+            </a:fld>
+            <a:endParaRPr lang="zh-CN" altLang="en-US"/>
+          </a:p>
+        </p:txBody>
+      </p:sp>
+    </p:spTree>
+  </p:cSld>
+  <p:clrMapOvr>
+    <a:masterClrMapping/>
+  </p:clrMapOvr>
+</p:notes>
+</file>
+
+<file path=ppt/notesSlides/notesSlide22.xml><?xml version="1.0" encoding="utf-8"?>
+<p:notes xmlns:a="http://schemas.openxmlformats.org/drawingml/2006/main" xmlns:r="http://schemas.openxmlformats.org/officeDocument/2006/relationships" xmlns:p="http://schemas.openxmlformats.org/presentationml/2006/main">
+  <p:cSld>
+    <p:spTree>
+      <p:nvGrpSpPr>
+        <p:cNvPr id="1" name=""/>
+        <p:cNvGrpSpPr/>
+        <p:nvPr/>
+      </p:nvGrpSpPr>
+      <p:grpSpPr>
+        <a:xfrm>
+          <a:off x="0" y="0"/>
+          <a:ext cx="0" cy="0"/>
+          <a:chOff x="0" y="0"/>
+          <a:chExt cx="0" cy="0"/>
+        </a:xfrm>
+      </p:grpSpPr>
+      <p:sp>
+        <p:nvSpPr>
+          <p:cNvPr id="2" name="幻灯片图像占位符 1"/>
+          <p:cNvSpPr>
+            <a:spLocks noGrp="1" noRot="1" noChangeAspect="1"/>
+          </p:cNvSpPr>
+          <p:nvPr>
+            <p:ph type="sldImg"/>
+          </p:nvPr>
+        </p:nvSpPr>
+        <p:spPr/>
+      </p:sp>
+      <p:sp>
+        <p:nvSpPr>
+          <p:cNvPr id="3" name="备注占位符 2"/>
+          <p:cNvSpPr>
+            <a:spLocks noGrp="1"/>
+          </p:cNvSpPr>
+          <p:nvPr>
+            <p:ph type="body" idx="1"/>
+          </p:nvPr>
+        </p:nvSpPr>
+        <p:spPr/>
+        <p:txBody>
+          <a:bodyPr/>
+          <a:lstStyle/>
+          <a:p>
+            <a:endParaRPr lang="zh-CN" altLang="en-US"/>
+          </a:p>
+        </p:txBody>
+      </p:sp>
+      <p:sp>
+        <p:nvSpPr>
+          <p:cNvPr id="4" name="灯片编号占位符 3"/>
+          <p:cNvSpPr>
+            <a:spLocks noGrp="1"/>
+          </p:cNvSpPr>
+          <p:nvPr>
+            <p:ph type="sldNum" sz="quarter" idx="10"/>
+          </p:nvPr>
+        </p:nvSpPr>
+        <p:spPr/>
+        <p:txBody>
+          <a:bodyPr/>
+          <a:lstStyle/>
+          <a:p>
+            <a:fld id="{418F03C3-53C1-4F10-8DAF-D1F318E96C6E}" type="slidenum">
+              <a:rPr lang="zh-CN" altLang="en-US" smtClean="0"/>
+            </a:fld>
+            <a:endParaRPr lang="zh-CN" altLang="en-US"/>
           </a:p>
         </p:txBody>
       </p:sp>
@@ -10905,1123 +11142,9 @@
           </a:p>
         </p:txBody>
       </p:sp>
-      <p:sp>
-        <p:nvSpPr>
-          <p:cNvPr id="11" name="文本框 10"/>
-          <p:cNvSpPr txBox="1"/>
-          <p:nvPr/>
-        </p:nvSpPr>
-        <p:spPr>
-          <a:xfrm>
-            <a:off x="3403600" y="1162685"/>
-            <a:ext cx="5206365" cy="645160"/>
-          </a:xfrm>
-          <a:prstGeom prst="rect">
-            <a:avLst/>
-          </a:prstGeom>
-          <a:noFill/>
-        </p:spPr>
-        <p:txBody>
-          <a:bodyPr wrap="square" rtlCol="0" anchor="t">
-            <a:spAutoFit/>
-          </a:bodyPr>
-          <a:p>
-            <a:r>
-              <a:rPr lang="zh-CN" altLang="en-US" b="1" dirty="0">
-                <a:latin typeface="幼圆" panose="02010509060101010101" charset="-122"/>
-                <a:ea typeface="幼圆" panose="02010509060101010101" charset="-122"/>
-                <a:sym typeface="+mn-ea"/>
-              </a:rPr>
-              <a:t>为了能够得到一个最佳的训练模型，我们人工的调试了训练过程中的一些参数情况。如下</a:t>
-            </a:r>
-            <a:r>
-              <a:rPr lang="zh-CN" altLang="en-US" b="1" dirty="0">
-                <a:latin typeface="幼圆" panose="02010509060101010101" charset="-122"/>
-                <a:ea typeface="幼圆" panose="02010509060101010101" charset="-122"/>
-                <a:sym typeface="+mn-ea"/>
-              </a:rPr>
-              <a:t>表所示：</a:t>
-            </a:r>
-            <a:endParaRPr lang="zh-CN" altLang="en-US" b="1" dirty="0">
-              <a:latin typeface="幼圆" panose="02010509060101010101" charset="-122"/>
-              <a:ea typeface="幼圆" panose="02010509060101010101" charset="-122"/>
-              <a:sym typeface="+mn-ea"/>
-            </a:endParaRPr>
-          </a:p>
-        </p:txBody>
-      </p:sp>
-      <p:graphicFrame>
-        <p:nvGraphicFramePr>
-          <p:cNvPr id="5" name="表格 4"/>
-          <p:cNvGraphicFramePr/>
-          <p:nvPr/>
-        </p:nvGraphicFramePr>
-        <p:xfrm>
-          <a:off x="1120775" y="2298700"/>
-          <a:ext cx="10617200" cy="4008120"/>
-        </p:xfrm>
-        <a:graphic>
-          <a:graphicData uri="http://schemas.openxmlformats.org/drawingml/2006/table">
-            <a:tbl>
-              <a:tblPr firstRow="1" bandRow="1">
-                <a:tableStyleId>{5C22544A-7EE6-4342-B048-85BDC9FD1C3A}</a:tableStyleId>
-              </a:tblPr>
-              <a:tblGrid>
-                <a:gridCol w="2123440"/>
-                <a:gridCol w="2123440"/>
-                <a:gridCol w="2123440"/>
-                <a:gridCol w="2123440"/>
-                <a:gridCol w="2123440"/>
-              </a:tblGrid>
-              <a:tr h="381000">
-                <a:tc gridSpan="5">
-                  <a:txBody>
-                    <a:bodyPr/>
-                    <a:p>
-                      <a:pPr algn="ctr">
-                        <a:buNone/>
-                      </a:pPr>
-                      <a:r>
-                        <a:rPr lang="zh-CN" altLang="en-US"/>
-                        <a:t>参数变化过程</a:t>
-                      </a:r>
-                      <a:endParaRPr lang="zh-CN" altLang="en-US"/>
-                    </a:p>
-                  </a:txBody>
-                  <a:tcPr/>
-                </a:tc>
-                <a:tc hMerge="1">
-                  <a:tcPr/>
-                </a:tc>
-                <a:tc hMerge="1">
-                  <a:tcPr/>
-                </a:tc>
-                <a:tc hMerge="1">
-                  <a:tcPr/>
-                </a:tc>
-                <a:tc hMerge="1">
-                  <a:tcPr/>
-                </a:tc>
-              </a:tr>
-              <a:tr h="381000">
-                <a:tc>
-                  <a:txBody>
-                    <a:bodyPr/>
-                    <a:p>
-                      <a:pPr algn="ctr">
-                        <a:buNone/>
-                      </a:pPr>
-                      <a:r>
-                        <a:rPr lang="zh-CN" altLang="en-US"/>
-                        <a:t>参数</a:t>
-                      </a:r>
-                      <a:endParaRPr lang="zh-CN" altLang="en-US"/>
-                    </a:p>
-                  </a:txBody>
-                  <a:tcPr/>
-                </a:tc>
-                <a:tc>
-                  <a:txBody>
-                    <a:bodyPr/>
-                    <a:p>
-                      <a:pPr algn="ctr">
-                        <a:buNone/>
-                      </a:pPr>
-                      <a:r>
-                        <a:rPr lang="zh-CN" altLang="en-US"/>
-                        <a:t>第一次</a:t>
-                      </a:r>
-                      <a:endParaRPr lang="zh-CN" altLang="en-US"/>
-                    </a:p>
-                  </a:txBody>
-                  <a:tcPr/>
-                </a:tc>
-                <a:tc>
-                  <a:txBody>
-                    <a:bodyPr/>
-                    <a:p>
-                      <a:pPr algn="ctr">
-                        <a:buNone/>
-                      </a:pPr>
-                      <a:r>
-                        <a:rPr lang="zh-CN" altLang="en-US"/>
-                        <a:t>第二次</a:t>
-                      </a:r>
-                      <a:endParaRPr lang="zh-CN" altLang="en-US"/>
-                    </a:p>
-                  </a:txBody>
-                  <a:tcPr/>
-                </a:tc>
-                <a:tc>
-                  <a:txBody>
-                    <a:bodyPr/>
-                    <a:p>
-                      <a:pPr algn="ctr">
-                        <a:buNone/>
-                      </a:pPr>
-                      <a:r>
-                        <a:rPr lang="zh-CN" altLang="en-US"/>
-                        <a:t>第三次</a:t>
-                      </a:r>
-                      <a:endParaRPr lang="zh-CN" altLang="en-US"/>
-                    </a:p>
-                  </a:txBody>
-                  <a:tcPr/>
-                </a:tc>
-                <a:tc>
-                  <a:txBody>
-                    <a:bodyPr/>
-                    <a:p>
-                      <a:pPr algn="ctr">
-                        <a:buNone/>
-                      </a:pPr>
-                      <a:r>
-                        <a:rPr lang="zh-CN" altLang="en-US"/>
-                        <a:t>第四次</a:t>
-                      </a:r>
-                      <a:endParaRPr lang="zh-CN" altLang="en-US"/>
-                    </a:p>
-                  </a:txBody>
-                  <a:tcPr/>
-                </a:tc>
-              </a:tr>
-              <a:tr h="381000">
-                <a:tc>
-                  <a:txBody>
-                    <a:bodyPr/>
-                    <a:p>
-                      <a:pPr algn="ctr">
-                        <a:buNone/>
-                      </a:pPr>
-                      <a:r>
-                        <a:rPr lang="en-US" altLang="zh-CN"/>
-                        <a:t>num_epochs</a:t>
-                      </a:r>
-                      <a:endParaRPr lang="en-US" altLang="zh-CN"/>
-                    </a:p>
-                  </a:txBody>
-                  <a:tcPr/>
-                </a:tc>
-                <a:tc>
-                  <a:txBody>
-                    <a:bodyPr/>
-                    <a:p>
-                      <a:pPr algn="ctr">
-                        <a:buNone/>
-                      </a:pPr>
-                      <a:r>
-                        <a:rPr lang="en-US" altLang="zh-CN"/>
-                        <a:t>35</a:t>
-                      </a:r>
-                      <a:endParaRPr lang="en-US" altLang="zh-CN"/>
-                    </a:p>
-                  </a:txBody>
-                  <a:tcPr/>
-                </a:tc>
-                <a:tc>
-                  <a:txBody>
-                    <a:bodyPr/>
-                    <a:p>
-                      <a:pPr algn="ctr">
-                        <a:buNone/>
-                      </a:pPr>
-                      <a:r>
-                        <a:rPr lang="en-US" altLang="zh-CN"/>
-                        <a:t>35</a:t>
-                      </a:r>
-                      <a:endParaRPr lang="en-US" altLang="zh-CN"/>
-                    </a:p>
-                  </a:txBody>
-                  <a:tcPr/>
-                </a:tc>
-                <a:tc>
-                  <a:txBody>
-                    <a:bodyPr/>
-                    <a:p>
-                      <a:pPr algn="ctr">
-                        <a:buNone/>
-                      </a:pPr>
-                      <a:r>
-                        <a:rPr lang="en-US" altLang="zh-CN"/>
-                        <a:t>100</a:t>
-                      </a:r>
-                      <a:endParaRPr lang="en-US" altLang="zh-CN"/>
-                    </a:p>
-                  </a:txBody>
-                  <a:tcPr/>
-                </a:tc>
-                <a:tc>
-                  <a:txBody>
-                    <a:bodyPr/>
-                    <a:p>
-                      <a:pPr algn="ctr">
-                        <a:buNone/>
-                      </a:pPr>
-                      <a:r>
-                        <a:rPr lang="en-US" altLang="zh-CN"/>
-                        <a:t>40</a:t>
-                      </a:r>
-                      <a:endParaRPr lang="en-US" altLang="zh-CN"/>
-                    </a:p>
-                  </a:txBody>
-                  <a:tcPr/>
-                </a:tc>
-              </a:tr>
-              <a:tr h="381000">
-                <a:tc>
-                  <a:txBody>
-                    <a:bodyPr/>
-                    <a:p>
-                      <a:pPr algn="ctr">
-                        <a:buNone/>
-                      </a:pPr>
-                      <a:r>
-                        <a:rPr lang="en-US" altLang="zh-CN"/>
-                        <a:t>batch_size</a:t>
-                      </a:r>
-                      <a:endParaRPr lang="en-US" altLang="zh-CN"/>
-                    </a:p>
-                  </a:txBody>
-                  <a:tcPr/>
-                </a:tc>
-                <a:tc>
-                  <a:txBody>
-                    <a:bodyPr/>
-                    <a:p>
-                      <a:pPr algn="ctr">
-                        <a:buNone/>
-                      </a:pPr>
-                      <a:r>
-                        <a:rPr lang="en-US" altLang="zh-CN"/>
-                        <a:t>64</a:t>
-                      </a:r>
-                      <a:endParaRPr lang="en-US" altLang="zh-CN"/>
-                    </a:p>
-                  </a:txBody>
-                  <a:tcPr/>
-                </a:tc>
-                <a:tc>
-                  <a:txBody>
-                    <a:bodyPr/>
-                    <a:p>
-                      <a:pPr algn="ctr">
-                        <a:buNone/>
-                      </a:pPr>
-                      <a:r>
-                        <a:rPr lang="en-US" altLang="zh-CN"/>
-                        <a:t>512</a:t>
-                      </a:r>
-                      <a:endParaRPr lang="en-US" altLang="zh-CN"/>
-                    </a:p>
-                  </a:txBody>
-                  <a:tcPr/>
-                </a:tc>
-                <a:tc>
-                  <a:txBody>
-                    <a:bodyPr/>
-                    <a:p>
-                      <a:pPr algn="ctr">
-                        <a:buNone/>
-                      </a:pPr>
-                      <a:r>
-                        <a:rPr lang="en-US" altLang="zh-CN"/>
-                        <a:t>256</a:t>
-                      </a:r>
-                      <a:endParaRPr lang="en-US" altLang="zh-CN"/>
-                    </a:p>
-                  </a:txBody>
-                  <a:tcPr/>
-                </a:tc>
-                <a:tc>
-                  <a:txBody>
-                    <a:bodyPr/>
-                    <a:p>
-                      <a:pPr algn="ctr">
-                        <a:buNone/>
-                      </a:pPr>
-                      <a:r>
-                        <a:rPr lang="en-US" altLang="zh-CN"/>
-                        <a:t>256</a:t>
-                      </a:r>
-                      <a:endParaRPr lang="en-US" altLang="zh-CN"/>
-                    </a:p>
-                  </a:txBody>
-                  <a:tcPr/>
-                </a:tc>
-              </a:tr>
-              <a:tr h="381000">
-                <a:tc>
-                  <a:txBody>
-                    <a:bodyPr/>
-                    <a:p>
-                      <a:pPr algn="ctr">
-                        <a:buNone/>
-                      </a:pPr>
-                      <a:r>
-                        <a:rPr lang="en-US" altLang="zh-CN"/>
-                        <a:t>learn_rate</a:t>
-                      </a:r>
-                      <a:endParaRPr lang="en-US" altLang="zh-CN"/>
-                    </a:p>
-                  </a:txBody>
-                  <a:tcPr/>
-                </a:tc>
-                <a:tc>
-                  <a:txBody>
-                    <a:bodyPr/>
-                    <a:p>
-                      <a:pPr algn="ctr">
-                        <a:buNone/>
-                      </a:pPr>
-                      <a:r>
-                        <a:rPr lang="en-US" altLang="zh-CN"/>
-                        <a:t>0.001</a:t>
-                      </a:r>
-                      <a:endParaRPr lang="en-US" altLang="zh-CN"/>
-                    </a:p>
-                  </a:txBody>
-                  <a:tcPr/>
-                </a:tc>
-                <a:tc>
-                  <a:txBody>
-                    <a:bodyPr/>
-                    <a:p>
-                      <a:pPr algn="ctr">
-                        <a:buNone/>
-                      </a:pPr>
-                      <a:r>
-                        <a:rPr lang="en-US" altLang="zh-CN"/>
-                        <a:t>0.01</a:t>
-                      </a:r>
-                      <a:endParaRPr lang="en-US" altLang="zh-CN"/>
-                    </a:p>
-                  </a:txBody>
-                  <a:tcPr/>
-                </a:tc>
-                <a:tc>
-                  <a:txBody>
-                    <a:bodyPr/>
-                    <a:p>
-                      <a:pPr algn="ctr">
-                        <a:buNone/>
-                      </a:pPr>
-                      <a:r>
-                        <a:rPr lang="en-US" altLang="zh-CN"/>
-                        <a:t>0.001</a:t>
-                      </a:r>
-                      <a:endParaRPr lang="en-US" altLang="zh-CN"/>
-                    </a:p>
-                  </a:txBody>
-                  <a:tcPr/>
-                </a:tc>
-                <a:tc>
-                  <a:txBody>
-                    <a:bodyPr/>
-                    <a:p>
-                      <a:pPr algn="ctr">
-                        <a:buNone/>
-                      </a:pPr>
-                      <a:r>
-                        <a:rPr lang="en-US" altLang="zh-CN"/>
-                        <a:t>0.001</a:t>
-                      </a:r>
-                      <a:endParaRPr lang="en-US" altLang="zh-CN"/>
-                    </a:p>
-                  </a:txBody>
-                  <a:tcPr/>
-                </a:tc>
-              </a:tr>
-              <a:tr h="640080">
-                <a:tc>
-                  <a:txBody>
-                    <a:bodyPr/>
-                    <a:p>
-                      <a:pPr algn="ctr">
-                        <a:buNone/>
-                      </a:pPr>
-                      <a:r>
-                        <a:rPr lang="zh-CN" altLang="en-US"/>
-                        <a:t>训练集验证集比例</a:t>
-                      </a:r>
-                      <a:endParaRPr lang="zh-CN" altLang="en-US"/>
-                    </a:p>
-                  </a:txBody>
-                  <a:tcPr/>
-                </a:tc>
-                <a:tc>
-                  <a:txBody>
-                    <a:bodyPr/>
-                    <a:p>
-                      <a:pPr algn="ctr">
-                        <a:buNone/>
-                      </a:pPr>
-                      <a:r>
-                        <a:rPr lang="en-US" altLang="zh-CN"/>
-                        <a:t>19</a:t>
-                      </a:r>
-                      <a:r>
-                        <a:rPr lang="zh-CN" altLang="en-US"/>
-                        <a:t>：</a:t>
-                      </a:r>
-                      <a:r>
-                        <a:rPr lang="en-US" altLang="zh-CN"/>
-                        <a:t>1</a:t>
-                      </a:r>
-                      <a:endParaRPr lang="en-US" altLang="zh-CN"/>
-                    </a:p>
-                  </a:txBody>
-                  <a:tcPr/>
-                </a:tc>
-                <a:tc>
-                  <a:txBody>
-                    <a:bodyPr/>
-                    <a:p>
-                      <a:pPr algn="ctr">
-                        <a:buNone/>
-                      </a:pPr>
-                      <a:r>
-                        <a:rPr lang="en-US" altLang="zh-CN"/>
-                        <a:t>19</a:t>
-                      </a:r>
-                      <a:r>
-                        <a:rPr lang="zh-CN" altLang="en-US"/>
-                        <a:t>：</a:t>
-                      </a:r>
-                      <a:r>
-                        <a:rPr lang="en-US" altLang="zh-CN"/>
-                        <a:t>1</a:t>
-                      </a:r>
-                      <a:endParaRPr lang="en-US" altLang="zh-CN"/>
-                    </a:p>
-                  </a:txBody>
-                  <a:tcPr/>
-                </a:tc>
-                <a:tc>
-                  <a:txBody>
-                    <a:bodyPr/>
-                    <a:p>
-                      <a:pPr algn="ctr">
-                        <a:buNone/>
-                      </a:pPr>
-                      <a:r>
-                        <a:rPr lang="en-US" altLang="zh-CN"/>
-                        <a:t>4</a:t>
-                      </a:r>
-                      <a:r>
-                        <a:rPr lang="zh-CN" altLang="en-US"/>
-                        <a:t>：</a:t>
-                      </a:r>
-                      <a:r>
-                        <a:rPr lang="en-US" altLang="zh-CN"/>
-                        <a:t>1</a:t>
-                      </a:r>
-                      <a:endParaRPr lang="en-US" altLang="zh-CN"/>
-                    </a:p>
-                  </a:txBody>
-                  <a:tcPr/>
-                </a:tc>
-                <a:tc>
-                  <a:txBody>
-                    <a:bodyPr/>
-                    <a:p>
-                      <a:pPr algn="ctr">
-                        <a:buNone/>
-                      </a:pPr>
-                      <a:r>
-                        <a:rPr lang="en-US" altLang="zh-CN"/>
-                        <a:t>19</a:t>
-                      </a:r>
-                      <a:r>
-                        <a:rPr lang="zh-CN" altLang="en-US"/>
-                        <a:t>：</a:t>
-                      </a:r>
-                      <a:r>
-                        <a:rPr lang="en-US" altLang="zh-CN"/>
-                        <a:t>1</a:t>
-                      </a:r>
-                      <a:endParaRPr lang="en-US" altLang="zh-CN"/>
-                    </a:p>
-                  </a:txBody>
-                  <a:tcPr/>
-                </a:tc>
-              </a:tr>
-              <a:tr h="381000">
-                <a:tc>
-                  <a:txBody>
-                    <a:bodyPr/>
-                    <a:p>
-                      <a:pPr algn="ctr">
-                        <a:buNone/>
-                      </a:pPr>
-                      <a:r>
-                        <a:rPr lang="zh-CN" altLang="en-US"/>
-                        <a:t>最终结果</a:t>
-                      </a:r>
-                      <a:endParaRPr lang="zh-CN" altLang="en-US"/>
-                    </a:p>
-                  </a:txBody>
-                  <a:tcPr/>
-                </a:tc>
-                <a:tc>
-                  <a:txBody>
-                    <a:bodyPr/>
-                    <a:p>
-                      <a:pPr algn="ctr">
-                        <a:buNone/>
-                      </a:pPr>
-                      <a:r>
-                        <a:rPr lang="en-US" sz="1800">
-                          <a:solidFill>
-                            <a:srgbClr val="000000"/>
-                          </a:solidFill>
-                          <a:latin typeface="宋体" panose="02010600030101010101" pitchFamily="2" charset="-122"/>
-                          <a:ea typeface="宋体" panose="02010600030101010101" pitchFamily="2" charset="-122"/>
-                          <a:cs typeface="宋体" panose="02010600030101010101" pitchFamily="2" charset="-122"/>
-                          <a:sym typeface="+mn-ea"/>
-                        </a:rPr>
-                        <a:t>r</a:t>
-                      </a:r>
-                      <a:r>
-                        <a:rPr lang="en-US" sz="1800">
-                          <a:solidFill>
-                            <a:srgbClr val="000000"/>
-                          </a:solidFill>
-                          <a:latin typeface="宋体" panose="02010600030101010101" pitchFamily="2" charset="-122"/>
-                          <a:ea typeface="宋体" panose="02010600030101010101" pitchFamily="2" charset="-122"/>
-                          <a:cs typeface="宋体" panose="02010600030101010101" pitchFamily="2" charset="-122"/>
-                          <a:sym typeface="+mn-ea"/>
-                        </a:rPr>
-                        <a:t>ecall   </a:t>
-                      </a:r>
-                      <a:r>
-                        <a:rPr lang="en-US" sz="1800">
-                          <a:solidFill>
-                            <a:srgbClr val="000000"/>
-                          </a:solidFill>
-                          <a:latin typeface="Palatino" charset="0"/>
-                          <a:cs typeface="Palatino" charset="0"/>
-                          <a:sym typeface="+mn-ea"/>
-                        </a:rPr>
-                        <a:t>0.628637</a:t>
-                      </a:r>
-                      <a:endParaRPr lang="en-US" sz="1800">
-                        <a:solidFill>
-                          <a:srgbClr val="000000"/>
-                        </a:solidFill>
-                        <a:latin typeface="Palatino" charset="0"/>
-                        <a:cs typeface="Palatino" charset="0"/>
-                        <a:sym typeface="+mn-ea"/>
-                      </a:endParaRPr>
-                    </a:p>
-                    <a:p>
-                      <a:pPr algn="ctr">
-                        <a:buNone/>
-                      </a:pPr>
-                      <a:r>
-                        <a:rPr lang="en-US" sz="1800">
-                          <a:solidFill>
-                            <a:srgbClr val="000000"/>
-                          </a:solidFill>
-                          <a:latin typeface="Palatino" charset="0"/>
-                          <a:cs typeface="Palatino" charset="0"/>
-                          <a:sym typeface="+mn-ea"/>
-                        </a:rPr>
-                        <a:t>accuracy   </a:t>
-                      </a:r>
-                      <a:r>
-                        <a:rPr lang="en-US" sz="1800">
-                          <a:solidFill>
-                            <a:srgbClr val="000000"/>
-                          </a:solidFill>
-                          <a:latin typeface="宋体" panose="02010600030101010101" pitchFamily="2" charset="-122"/>
-                          <a:ea typeface="宋体" panose="02010600030101010101" pitchFamily="2" charset="-122"/>
-                          <a:cs typeface="宋体" panose="02010600030101010101" pitchFamily="2" charset="-122"/>
-                          <a:sym typeface="+mn-ea"/>
-                        </a:rPr>
-                        <a:t>0</a:t>
-                      </a:r>
-                      <a:r>
-                        <a:rPr lang="en-US" sz="1800">
-                          <a:solidFill>
-                            <a:srgbClr val="000000"/>
-                          </a:solidFill>
-                          <a:latin typeface="Palatino" charset="0"/>
-                          <a:cs typeface="Palatino" charset="0"/>
-                          <a:sym typeface="+mn-ea"/>
-                        </a:rPr>
-                        <a:t>.624419</a:t>
-                      </a:r>
-                      <a:endParaRPr lang="en-US" sz="1800">
-                        <a:solidFill>
-                          <a:srgbClr val="000000"/>
-                        </a:solidFill>
-                        <a:latin typeface="Palatino" charset="0"/>
-                        <a:cs typeface="Palatino" charset="0"/>
-                        <a:sym typeface="+mn-ea"/>
-                      </a:endParaRPr>
-                    </a:p>
-                    <a:p>
-                      <a:pPr algn="ctr">
-                        <a:buNone/>
-                      </a:pPr>
-                      <a:r>
-                        <a:rPr lang="en-US" sz="1800">
-                          <a:solidFill>
-                            <a:srgbClr val="000000"/>
-                          </a:solidFill>
-                          <a:latin typeface="Palatino" charset="0"/>
-                          <a:cs typeface="Palatino" charset="0"/>
-                          <a:sym typeface="+mn-ea"/>
-                        </a:rPr>
-                        <a:t>F    </a:t>
-                      </a:r>
-                      <a:r>
-                        <a:rPr lang="en-US" sz="1800">
-                          <a:solidFill>
-                            <a:srgbClr val="000000"/>
-                          </a:solidFill>
-                          <a:latin typeface="宋体" panose="02010600030101010101" pitchFamily="2" charset="-122"/>
-                          <a:ea typeface="宋体" panose="02010600030101010101" pitchFamily="2" charset="-122"/>
-                          <a:cs typeface="宋体" panose="02010600030101010101" pitchFamily="2" charset="-122"/>
-                          <a:sym typeface="+mn-ea"/>
-                        </a:rPr>
-                        <a:t>      </a:t>
-                      </a:r>
-                      <a:r>
-                        <a:rPr lang="en-US" sz="1800">
-                          <a:solidFill>
-                            <a:srgbClr val="000000"/>
-                          </a:solidFill>
-                          <a:latin typeface="Palatino" charset="0"/>
-                          <a:cs typeface="Palatino" charset="0"/>
-                          <a:sym typeface="+mn-ea"/>
-                        </a:rPr>
-                        <a:t>0.625825</a:t>
-                      </a:r>
-                      <a:endParaRPr lang="en-US" altLang="en-US" sz="1800" b="0">
-                        <a:solidFill>
-                          <a:srgbClr val="000000"/>
-                        </a:solidFill>
-                        <a:latin typeface="宋体" panose="02010600030101010101" pitchFamily="2" charset="-122"/>
-                        <a:ea typeface="宋体" panose="02010600030101010101" pitchFamily="2" charset="-122"/>
-                        <a:cs typeface="宋体" panose="02010600030101010101" pitchFamily="2" charset="-122"/>
-                        <a:sym typeface="+mn-ea"/>
-                      </a:endParaRPr>
-                    </a:p>
-                    <a:p>
-                      <a:pPr algn="ctr">
-                        <a:buNone/>
-                      </a:pPr>
-                      <a:r>
-                        <a:rPr lang="en-US" altLang="zh-CN"/>
-                        <a:t>   </a:t>
-                      </a:r>
-                      <a:endParaRPr lang="en-US" altLang="zh-CN"/>
-                    </a:p>
-                  </a:txBody>
-                  <a:tcPr/>
-                </a:tc>
-                <a:tc>
-                  <a:txBody>
-                    <a:bodyPr/>
-                    <a:p>
-                      <a:pPr algn="ctr">
-                        <a:buNone/>
-                      </a:pPr>
-                      <a:r>
-                        <a:rPr lang="en-US" sz="1800">
-                          <a:solidFill>
-                            <a:srgbClr val="000000"/>
-                          </a:solidFill>
-                          <a:latin typeface="Palatino" charset="0"/>
-                          <a:cs typeface="Palatino" charset="0"/>
-                          <a:sym typeface="+mn-ea"/>
-                        </a:rPr>
-                        <a:t>recall</a:t>
-                      </a:r>
-                      <a:r>
-                        <a:rPr lang="en-US" sz="1800">
-                          <a:solidFill>
-                            <a:srgbClr val="000000"/>
-                          </a:solidFill>
-                          <a:latin typeface="宋体" panose="02010600030101010101" pitchFamily="2" charset="-122"/>
-                          <a:ea typeface="宋体" panose="02010600030101010101" pitchFamily="2" charset="-122"/>
-                          <a:cs typeface="宋体" panose="02010600030101010101" pitchFamily="2" charset="-122"/>
-                          <a:sym typeface="+mn-ea"/>
-                        </a:rPr>
-                        <a:t>   </a:t>
-                      </a:r>
-                      <a:r>
-                        <a:rPr lang="en-US" sz="1800">
-                          <a:solidFill>
-                            <a:srgbClr val="000000"/>
-                          </a:solidFill>
-                          <a:latin typeface="Palatino" charset="0"/>
-                          <a:cs typeface="Palatino" charset="0"/>
-                          <a:sym typeface="+mn-ea"/>
-                        </a:rPr>
-                        <a:t>  0.824505 accuracy  0.823446</a:t>
-                      </a:r>
-                      <a:endParaRPr lang="en-US" sz="1800">
-                        <a:solidFill>
-                          <a:srgbClr val="000000"/>
-                        </a:solidFill>
-                        <a:latin typeface="Palatino" charset="0"/>
-                        <a:cs typeface="Palatino" charset="0"/>
-                        <a:sym typeface="+mn-ea"/>
-                      </a:endParaRPr>
-                    </a:p>
-                    <a:p>
-                      <a:pPr algn="ctr">
-                        <a:buNone/>
-                      </a:pPr>
-                      <a:r>
-                        <a:rPr lang="en-US" sz="1800">
-                          <a:solidFill>
-                            <a:srgbClr val="000000"/>
-                          </a:solidFill>
-                          <a:latin typeface="Palatino" charset="0"/>
-                          <a:cs typeface="Palatino" charset="0"/>
-                          <a:sym typeface="+mn-ea"/>
-                        </a:rPr>
-                        <a:t>F </a:t>
-                      </a:r>
-                      <a:r>
-                        <a:rPr lang="en-US" sz="1800">
-                          <a:solidFill>
-                            <a:srgbClr val="000000"/>
-                          </a:solidFill>
-                          <a:latin typeface="宋体" panose="02010600030101010101" pitchFamily="2" charset="-122"/>
-                          <a:ea typeface="宋体" panose="02010600030101010101" pitchFamily="2" charset="-122"/>
-                          <a:cs typeface="宋体" panose="02010600030101010101" pitchFamily="2" charset="-122"/>
-                          <a:sym typeface="+mn-ea"/>
-                        </a:rPr>
-                        <a:t>       </a:t>
-                      </a:r>
-                      <a:r>
-                        <a:rPr lang="en-US" sz="1800">
-                          <a:solidFill>
-                            <a:srgbClr val="000000"/>
-                          </a:solidFill>
-                          <a:latin typeface="Palatino" charset="0"/>
-                          <a:cs typeface="Palatino" charset="0"/>
-                          <a:sym typeface="+mn-ea"/>
-                        </a:rPr>
-                        <a:t>0.823799</a:t>
-                      </a:r>
-                      <a:endParaRPr lang="en-US" altLang="en-US" sz="1800" b="0">
-                        <a:solidFill>
-                          <a:srgbClr val="000000"/>
-                        </a:solidFill>
-                        <a:latin typeface="Palatino" charset="0"/>
-                        <a:ea typeface="Palatino" charset="0"/>
-                        <a:cs typeface="Palatino" charset="0"/>
-                        <a:sym typeface="+mn-ea"/>
-                      </a:endParaRPr>
-                    </a:p>
-                    <a:p>
-                      <a:pPr algn="ctr">
-                        <a:buNone/>
-                      </a:pPr>
-                      <a:endParaRPr lang="zh-CN" altLang="en-US"/>
-                    </a:p>
-                  </a:txBody>
-                  <a:tcPr/>
-                </a:tc>
-                <a:tc>
-                  <a:txBody>
-                    <a:bodyPr/>
-                    <a:p>
-                      <a:pPr algn="ctr">
-                        <a:buNone/>
-                      </a:pPr>
-                      <a:r>
-                        <a:rPr lang="en-US" sz="1800">
-                          <a:solidFill>
-                            <a:srgbClr val="000000"/>
-                          </a:solidFill>
-                          <a:latin typeface="Palatino" charset="0"/>
-                          <a:cs typeface="Palatino" charset="0"/>
-                          <a:sym typeface="+mn-ea"/>
-                        </a:rPr>
-                        <a:t>recall </a:t>
-                      </a:r>
-                      <a:r>
-                        <a:rPr lang="en-US" sz="1800">
-                          <a:solidFill>
-                            <a:srgbClr val="000000"/>
-                          </a:solidFill>
-                          <a:latin typeface="宋体" panose="02010600030101010101" pitchFamily="2" charset="-122"/>
-                          <a:ea typeface="宋体" panose="02010600030101010101" pitchFamily="2" charset="-122"/>
-                          <a:cs typeface="宋体" panose="02010600030101010101" pitchFamily="2" charset="-122"/>
-                          <a:sym typeface="+mn-ea"/>
-                        </a:rPr>
-                        <a:t>    </a:t>
-                      </a:r>
-                      <a:r>
-                        <a:rPr lang="en-US" sz="1800">
-                          <a:solidFill>
-                            <a:srgbClr val="000000"/>
-                          </a:solidFill>
-                          <a:latin typeface="Palatino" charset="0"/>
-                          <a:cs typeface="Palatino" charset="0"/>
-                          <a:sym typeface="+mn-ea"/>
-                        </a:rPr>
-                        <a:t>0.843764 accuracy   0.83916</a:t>
-                      </a:r>
-                      <a:endParaRPr lang="en-US" sz="1800">
-                        <a:solidFill>
-                          <a:srgbClr val="000000"/>
-                        </a:solidFill>
-                        <a:latin typeface="Palatino" charset="0"/>
-                        <a:cs typeface="Palatino" charset="0"/>
-                        <a:sym typeface="+mn-ea"/>
-                      </a:endParaRPr>
-                    </a:p>
-                    <a:p>
-                      <a:pPr algn="ctr">
-                        <a:buNone/>
-                      </a:pPr>
-                      <a:r>
-                        <a:rPr lang="en-US" sz="1800">
-                          <a:solidFill>
-                            <a:srgbClr val="000000"/>
-                          </a:solidFill>
-                          <a:latin typeface="Palatino" charset="0"/>
-                          <a:cs typeface="Palatino" charset="0"/>
-                          <a:sym typeface="+mn-ea"/>
-                        </a:rPr>
-                        <a:t> F </a:t>
-                      </a:r>
-                      <a:r>
-                        <a:rPr lang="en-US" sz="1800">
-                          <a:solidFill>
-                            <a:srgbClr val="000000"/>
-                          </a:solidFill>
-                          <a:latin typeface="宋体" panose="02010600030101010101" pitchFamily="2" charset="-122"/>
-                          <a:ea typeface="宋体" panose="02010600030101010101" pitchFamily="2" charset="-122"/>
-                          <a:cs typeface="宋体" panose="02010600030101010101" pitchFamily="2" charset="-122"/>
-                          <a:sym typeface="+mn-ea"/>
-                        </a:rPr>
-                        <a:t>       </a:t>
-                      </a:r>
-                      <a:r>
-                        <a:rPr lang="en-US" sz="1800">
-                          <a:solidFill>
-                            <a:srgbClr val="000000"/>
-                          </a:solidFill>
-                          <a:latin typeface="Palatino" charset="0"/>
-                          <a:cs typeface="Palatino" charset="0"/>
-                          <a:sym typeface="+mn-ea"/>
-                        </a:rPr>
-                        <a:t>0.840695</a:t>
-                      </a:r>
-                      <a:endParaRPr lang="en-US" altLang="en-US" sz="1800" b="0">
-                        <a:solidFill>
-                          <a:srgbClr val="000000"/>
-                        </a:solidFill>
-                        <a:latin typeface="Palatino" charset="0"/>
-                        <a:ea typeface="Palatino" charset="0"/>
-                        <a:cs typeface="Palatino" charset="0"/>
-                        <a:sym typeface="+mn-ea"/>
-                      </a:endParaRPr>
-                    </a:p>
-                    <a:p>
-                      <a:pPr algn="ctr">
-                        <a:buNone/>
-                      </a:pPr>
-                      <a:endParaRPr lang="zh-CN" altLang="en-US"/>
-                    </a:p>
-                  </a:txBody>
-                  <a:tcPr/>
-                </a:tc>
-                <a:tc>
-                  <a:txBody>
-                    <a:bodyPr/>
-                    <a:p>
-                      <a:pPr algn="ctr">
-                        <a:buNone/>
-                      </a:pPr>
-                      <a:r>
-                        <a:rPr lang="en-US" sz="1800">
-                          <a:solidFill>
-                            <a:srgbClr val="000000"/>
-                          </a:solidFill>
-                          <a:latin typeface="宋体" panose="02010600030101010101" pitchFamily="2" charset="-122"/>
-                          <a:ea typeface="宋体" panose="02010600030101010101" pitchFamily="2" charset="-122"/>
-                          <a:cs typeface="宋体" panose="02010600030101010101" pitchFamily="2" charset="-122"/>
-                          <a:sym typeface="+mn-ea"/>
-                        </a:rPr>
-                        <a:t>r</a:t>
-                      </a:r>
-                      <a:r>
-                        <a:rPr lang="en-US" sz="1800">
-                          <a:solidFill>
-                            <a:srgbClr val="000000"/>
-                          </a:solidFill>
-                          <a:latin typeface="Palatino" charset="0"/>
-                          <a:cs typeface="Palatino" charset="0"/>
-                          <a:sym typeface="+mn-ea"/>
-                        </a:rPr>
-                        <a:t>ecall </a:t>
-                      </a:r>
-                      <a:r>
-                        <a:rPr lang="en-US" sz="1800">
-                          <a:solidFill>
-                            <a:srgbClr val="000000"/>
-                          </a:solidFill>
-                          <a:latin typeface="宋体" panose="02010600030101010101" pitchFamily="2" charset="-122"/>
-                          <a:ea typeface="宋体" panose="02010600030101010101" pitchFamily="2" charset="-122"/>
-                          <a:cs typeface="宋体" panose="02010600030101010101" pitchFamily="2" charset="-122"/>
-                          <a:sym typeface="+mn-ea"/>
-                        </a:rPr>
-                        <a:t>   </a:t>
-                      </a:r>
-                      <a:r>
-                        <a:rPr lang="en-US" sz="1800">
-                          <a:solidFill>
-                            <a:srgbClr val="000000"/>
-                          </a:solidFill>
-                          <a:latin typeface="Palatino" charset="0"/>
-                          <a:cs typeface="Palatino" charset="0"/>
-                          <a:sym typeface="+mn-ea"/>
-                        </a:rPr>
-                        <a:t>0.857021</a:t>
-                      </a:r>
-                      <a:endParaRPr lang="en-US" sz="1800">
-                        <a:solidFill>
-                          <a:srgbClr val="000000"/>
-                        </a:solidFill>
-                        <a:latin typeface="Palatino" charset="0"/>
-                        <a:cs typeface="Palatino" charset="0"/>
-                        <a:sym typeface="+mn-ea"/>
-                      </a:endParaRPr>
-                    </a:p>
-                    <a:p>
-                      <a:pPr algn="ctr">
-                        <a:buNone/>
-                      </a:pPr>
-                      <a:r>
-                        <a:rPr lang="en-US" sz="1800">
-                          <a:solidFill>
-                            <a:srgbClr val="000000"/>
-                          </a:solidFill>
-                          <a:latin typeface="Palatino" charset="0"/>
-                          <a:cs typeface="Palatino" charset="0"/>
-                          <a:sym typeface="+mn-ea"/>
-                        </a:rPr>
-                        <a:t>accuracy</a:t>
-                      </a:r>
-                      <a:r>
-                        <a:rPr lang="en-US" sz="1800">
-                          <a:solidFill>
-                            <a:srgbClr val="000000"/>
-                          </a:solidFill>
-                          <a:latin typeface="宋体" panose="02010600030101010101" pitchFamily="2" charset="-122"/>
-                          <a:ea typeface="宋体" panose="02010600030101010101" pitchFamily="2" charset="-122"/>
-                          <a:cs typeface="宋体" panose="02010600030101010101" pitchFamily="2" charset="-122"/>
-                          <a:sym typeface="+mn-ea"/>
-                        </a:rPr>
-                        <a:t> </a:t>
-                      </a:r>
-                      <a:r>
-                        <a:rPr lang="en-US" sz="1800">
-                          <a:solidFill>
-                            <a:srgbClr val="FF0000"/>
-                          </a:solidFill>
-                          <a:latin typeface="Palatino" charset="0"/>
-                          <a:cs typeface="Palatino" charset="0"/>
-                          <a:sym typeface="+mn-ea"/>
-                        </a:rPr>
-                        <a:t>0.85</a:t>
-                      </a:r>
-                      <a:r>
-                        <a:rPr lang="en-US" sz="1800">
-                          <a:solidFill>
-                            <a:srgbClr val="FF0000"/>
-                          </a:solidFill>
-                          <a:latin typeface="宋体" panose="02010600030101010101" pitchFamily="2" charset="-122"/>
-                          <a:ea typeface="宋体" panose="02010600030101010101" pitchFamily="2" charset="-122"/>
-                          <a:cs typeface="宋体" panose="02010600030101010101" pitchFamily="2" charset="-122"/>
-                          <a:sym typeface="+mn-ea"/>
-                        </a:rPr>
-                        <a:t>7925</a:t>
-                      </a:r>
-                      <a:endParaRPr lang="en-US" sz="1800">
-                        <a:solidFill>
-                          <a:srgbClr val="000000"/>
-                        </a:solidFill>
-                        <a:latin typeface="宋体" panose="02010600030101010101" pitchFamily="2" charset="-122"/>
-                        <a:ea typeface="宋体" panose="02010600030101010101" pitchFamily="2" charset="-122"/>
-                        <a:cs typeface="宋体" panose="02010600030101010101" pitchFamily="2" charset="-122"/>
-                        <a:sym typeface="+mn-ea"/>
-                      </a:endParaRPr>
-                    </a:p>
-                    <a:p>
-                      <a:pPr algn="ctr">
-                        <a:buNone/>
-                      </a:pPr>
-                      <a:r>
-                        <a:rPr lang="en-US" sz="1800">
-                          <a:solidFill>
-                            <a:srgbClr val="000000"/>
-                          </a:solidFill>
-                          <a:latin typeface="Palatino" charset="0"/>
-                          <a:cs typeface="Palatino" charset="0"/>
-                          <a:sym typeface="+mn-ea"/>
-                        </a:rPr>
-                        <a:t>F </a:t>
-                      </a:r>
-                      <a:r>
-                        <a:rPr lang="en-US" sz="1800">
-                          <a:solidFill>
-                            <a:srgbClr val="000000"/>
-                          </a:solidFill>
-                          <a:latin typeface="宋体" panose="02010600030101010101" pitchFamily="2" charset="-122"/>
-                          <a:ea typeface="宋体" panose="02010600030101010101" pitchFamily="2" charset="-122"/>
-                          <a:cs typeface="宋体" panose="02010600030101010101" pitchFamily="2" charset="-122"/>
-                          <a:sym typeface="+mn-ea"/>
-                        </a:rPr>
-                        <a:t>       </a:t>
-                      </a:r>
-                      <a:r>
-                        <a:rPr lang="en-US" sz="1800">
-                          <a:solidFill>
-                            <a:srgbClr val="000000"/>
-                          </a:solidFill>
-                          <a:latin typeface="Palatino" charset="0"/>
-                          <a:cs typeface="Palatino" charset="0"/>
-                          <a:sym typeface="+mn-ea"/>
-                        </a:rPr>
-                        <a:t>0.853659</a:t>
-                      </a:r>
-                      <a:endParaRPr lang="en-US" altLang="en-US" sz="1800" b="0">
-                        <a:solidFill>
-                          <a:srgbClr val="000000"/>
-                        </a:solidFill>
-                        <a:latin typeface="宋体" panose="02010600030101010101" pitchFamily="2" charset="-122"/>
-                        <a:ea typeface="宋体" panose="02010600030101010101" pitchFamily="2" charset="-122"/>
-                        <a:cs typeface="宋体" panose="02010600030101010101" pitchFamily="2" charset="-122"/>
-                        <a:sym typeface="+mn-ea"/>
-                      </a:endParaRPr>
-                    </a:p>
-                    <a:p>
-                      <a:pPr algn="ctr">
-                        <a:buNone/>
-                      </a:pPr>
-                      <a:endParaRPr lang="zh-CN" altLang="en-US"/>
-                    </a:p>
-                  </a:txBody>
-                  <a:tcPr/>
-                </a:tc>
-              </a:tr>
-            </a:tbl>
-          </a:graphicData>
-        </a:graphic>
-      </p:graphicFrame>
       <p:pic>
         <p:nvPicPr>
-          <p:cNvPr id="6" name="图片 5" descr="timg (5)"/>
+          <p:cNvPr id="2" name="图片 1" descr="Accuracy"/>
           <p:cNvPicPr>
             <a:picLocks noChangeAspect="1"/>
           </p:cNvPicPr>
@@ -12035,8 +11158,763 @@
         </p:blipFill>
         <p:spPr>
           <a:xfrm>
-            <a:off x="10571480" y="20320"/>
-            <a:ext cx="2381250" cy="1905000"/>
+            <a:off x="1400175" y="1135380"/>
+            <a:ext cx="10058400" cy="4961255"/>
+          </a:xfrm>
+          <a:prstGeom prst="rect">
+            <a:avLst/>
+          </a:prstGeom>
+        </p:spPr>
+      </p:pic>
+      <p:sp>
+        <p:nvSpPr>
+          <p:cNvPr id="3" name="文本框 2"/>
+          <p:cNvSpPr txBox="1"/>
+          <p:nvPr/>
+        </p:nvSpPr>
+        <p:spPr>
+          <a:xfrm>
+            <a:off x="5775325" y="6377305"/>
+            <a:ext cx="2540000" cy="368300"/>
+          </a:xfrm>
+          <a:prstGeom prst="rect">
+            <a:avLst/>
+          </a:prstGeom>
+          <a:noFill/>
+        </p:spPr>
+        <p:txBody>
+          <a:bodyPr wrap="square" rtlCol="0" anchor="t">
+            <a:spAutoFit/>
+          </a:bodyPr>
+          <a:p>
+            <a:r>
+              <a:rPr lang="en-US" altLang="zh-CN" b="1" dirty="0">
+                <a:latin typeface="幼圆" panose="02010509060101010101" charset="-122"/>
+                <a:ea typeface="幼圆" panose="02010509060101010101" charset="-122"/>
+                <a:sym typeface="+mn-ea"/>
+              </a:rPr>
+              <a:t>Accuracy</a:t>
+            </a:r>
+            <a:r>
+              <a:rPr lang="zh-CN" altLang="en-US" b="1" dirty="0">
+                <a:latin typeface="幼圆" panose="02010509060101010101" charset="-122"/>
+                <a:ea typeface="幼圆" panose="02010509060101010101" charset="-122"/>
+                <a:sym typeface="+mn-ea"/>
+              </a:rPr>
+              <a:t>图</a:t>
+            </a:r>
+            <a:endParaRPr lang="zh-CN" altLang="en-US" b="1" dirty="0">
+              <a:latin typeface="幼圆" panose="02010509060101010101" charset="-122"/>
+              <a:ea typeface="幼圆" panose="02010509060101010101" charset="-122"/>
+              <a:sym typeface="+mn-ea"/>
+            </a:endParaRPr>
+          </a:p>
+        </p:txBody>
+      </p:sp>
+    </p:spTree>
+  </p:cSld>
+  <p:clrMapOvr>
+    <a:masterClrMapping/>
+  </p:clrMapOvr>
+  <mc:AlternateContent xmlns:mc="http://schemas.openxmlformats.org/markup-compatibility/2006">
+    <mc:Choice xmlns:p14="http://schemas.microsoft.com/office/powerpoint/2010/main" Requires="p14">
+      <p:transition p14:dur="9" advTm="0">
+        <p14:flip dir="r"/>
+      </p:transition>
+    </mc:Choice>
+    <mc:Fallback>
+      <p:transition advTm="0">
+        <p:fade/>
+      </p:transition>
+    </mc:Fallback>
+  </mc:AlternateContent>
+  <p:timing>
+    <p:tnLst>
+      <p:par>
+        <p:cTn id="1" dur="indefinite" restart="never" nodeType="tmRoot"/>
+      </p:par>
+    </p:tnLst>
+  </p:timing>
+</p:sld>
+</file>
+
+<file path=ppt/slides/slide15.xml><?xml version="1.0" encoding="utf-8"?>
+<p:sld xmlns:a="http://schemas.openxmlformats.org/drawingml/2006/main" xmlns:r="http://schemas.openxmlformats.org/officeDocument/2006/relationships" xmlns:p="http://schemas.openxmlformats.org/presentationml/2006/main">
+  <p:cSld>
+    <p:spTree>
+      <p:nvGrpSpPr>
+        <p:cNvPr id="1" name=""/>
+        <p:cNvGrpSpPr/>
+        <p:nvPr/>
+      </p:nvGrpSpPr>
+      <p:grpSpPr>
+        <a:xfrm>
+          <a:off x="0" y="0"/>
+          <a:ext cx="0" cy="0"/>
+          <a:chOff x="0" y="0"/>
+          <a:chExt cx="0" cy="0"/>
+        </a:xfrm>
+      </p:grpSpPr>
+      <p:sp>
+        <p:nvSpPr>
+          <p:cNvPr id="7" name="文本占位符 13"/>
+          <p:cNvSpPr txBox="1"/>
+          <p:nvPr/>
+        </p:nvSpPr>
+        <p:spPr>
+          <a:xfrm>
+            <a:off x="381000" y="214630"/>
+            <a:ext cx="3919855" cy="354965"/>
+          </a:xfrm>
+          <a:prstGeom prst="rect">
+            <a:avLst/>
+          </a:prstGeom>
+        </p:spPr>
+        <p:txBody>
+          <a:bodyPr vert="horz"/>
+          <a:lstStyle>
+            <a:lvl1pPr marL="0" indent="0" algn="l" defTabSz="964565" rtl="0" eaLnBrk="1" latinLnBrk="0" hangingPunct="1">
+              <a:lnSpc>
+                <a:spcPct val="100000"/>
+              </a:lnSpc>
+              <a:spcBef>
+                <a:spcPts val="1055"/>
+              </a:spcBef>
+              <a:buFont typeface="Arial" panose="020B0604020202020204" pitchFamily="34" charset="0"/>
+              <a:buNone/>
+              <a:defRPr sz="1685" kern="1200">
+                <a:solidFill>
+                  <a:schemeClr val="tx1"/>
+                </a:solidFill>
+                <a:latin typeface="+mn-lt"/>
+                <a:ea typeface="+mn-ea"/>
+                <a:cs typeface="+mn-cs"/>
+              </a:defRPr>
+            </a:lvl1pPr>
+            <a:lvl2pPr marL="723265" indent="-241300" algn="l" defTabSz="964565" rtl="0" eaLnBrk="1" latinLnBrk="0" hangingPunct="1">
+              <a:lnSpc>
+                <a:spcPct val="90000"/>
+              </a:lnSpc>
+              <a:spcBef>
+                <a:spcPts val="525"/>
+              </a:spcBef>
+              <a:buFont typeface="Arial" panose="020B0604020202020204" pitchFamily="34" charset="0"/>
+              <a:buChar char="•"/>
+              <a:defRPr sz="2530" kern="1200">
+                <a:solidFill>
+                  <a:schemeClr val="tx1"/>
+                </a:solidFill>
+                <a:latin typeface="+mn-lt"/>
+                <a:ea typeface="+mn-ea"/>
+                <a:cs typeface="+mn-cs"/>
+              </a:defRPr>
+            </a:lvl2pPr>
+            <a:lvl3pPr marL="1205230" indent="-241300" algn="l" defTabSz="964565" rtl="0" eaLnBrk="1" latinLnBrk="0" hangingPunct="1">
+              <a:lnSpc>
+                <a:spcPct val="90000"/>
+              </a:lnSpc>
+              <a:spcBef>
+                <a:spcPts val="525"/>
+              </a:spcBef>
+              <a:buFont typeface="Arial" panose="020B0604020202020204" pitchFamily="34" charset="0"/>
+              <a:buChar char="•"/>
+              <a:defRPr sz="2110" kern="1200">
+                <a:solidFill>
+                  <a:schemeClr val="tx1"/>
+                </a:solidFill>
+                <a:latin typeface="+mn-lt"/>
+                <a:ea typeface="+mn-ea"/>
+                <a:cs typeface="+mn-cs"/>
+              </a:defRPr>
+            </a:lvl3pPr>
+            <a:lvl4pPr marL="1687830" indent="-241300" algn="l" defTabSz="964565" rtl="0" eaLnBrk="1" latinLnBrk="0" hangingPunct="1">
+              <a:lnSpc>
+                <a:spcPct val="90000"/>
+              </a:lnSpc>
+              <a:spcBef>
+                <a:spcPts val="525"/>
+              </a:spcBef>
+              <a:buFont typeface="Arial" panose="020B0604020202020204" pitchFamily="34" charset="0"/>
+              <a:buChar char="•"/>
+              <a:defRPr sz="1900" kern="1200">
+                <a:solidFill>
+                  <a:schemeClr val="tx1"/>
+                </a:solidFill>
+                <a:latin typeface="+mn-lt"/>
+                <a:ea typeface="+mn-ea"/>
+                <a:cs typeface="+mn-cs"/>
+              </a:defRPr>
+            </a:lvl4pPr>
+            <a:lvl5pPr marL="2169795" indent="-241300" algn="l" defTabSz="964565" rtl="0" eaLnBrk="1" latinLnBrk="0" hangingPunct="1">
+              <a:lnSpc>
+                <a:spcPct val="90000"/>
+              </a:lnSpc>
+              <a:spcBef>
+                <a:spcPts val="525"/>
+              </a:spcBef>
+              <a:buFont typeface="Arial" panose="020B0604020202020204" pitchFamily="34" charset="0"/>
+              <a:buChar char="•"/>
+              <a:defRPr sz="1900" kern="1200">
+                <a:solidFill>
+                  <a:schemeClr val="tx1"/>
+                </a:solidFill>
+                <a:latin typeface="+mn-lt"/>
+                <a:ea typeface="+mn-ea"/>
+                <a:cs typeface="+mn-cs"/>
+              </a:defRPr>
+            </a:lvl5pPr>
+            <a:lvl6pPr marL="2651760" indent="-241300" algn="l" defTabSz="964565" rtl="0" eaLnBrk="1" latinLnBrk="0" hangingPunct="1">
+              <a:lnSpc>
+                <a:spcPct val="90000"/>
+              </a:lnSpc>
+              <a:spcBef>
+                <a:spcPts val="525"/>
+              </a:spcBef>
+              <a:buFont typeface="Arial" panose="020B0604020202020204" pitchFamily="34" charset="0"/>
+              <a:buChar char="•"/>
+              <a:defRPr sz="1900" kern="1200">
+                <a:solidFill>
+                  <a:schemeClr val="tx1"/>
+                </a:solidFill>
+                <a:latin typeface="+mn-lt"/>
+                <a:ea typeface="+mn-ea"/>
+                <a:cs typeface="+mn-cs"/>
+              </a:defRPr>
+            </a:lvl6pPr>
+            <a:lvl7pPr marL="3134360" indent="-241300" algn="l" defTabSz="964565" rtl="0" eaLnBrk="1" latinLnBrk="0" hangingPunct="1">
+              <a:lnSpc>
+                <a:spcPct val="90000"/>
+              </a:lnSpc>
+              <a:spcBef>
+                <a:spcPts val="525"/>
+              </a:spcBef>
+              <a:buFont typeface="Arial" panose="020B0604020202020204" pitchFamily="34" charset="0"/>
+              <a:buChar char="•"/>
+              <a:defRPr sz="1900" kern="1200">
+                <a:solidFill>
+                  <a:schemeClr val="tx1"/>
+                </a:solidFill>
+                <a:latin typeface="+mn-lt"/>
+                <a:ea typeface="+mn-ea"/>
+                <a:cs typeface="+mn-cs"/>
+              </a:defRPr>
+            </a:lvl7pPr>
+            <a:lvl8pPr marL="3616325" indent="-241300" algn="l" defTabSz="964565" rtl="0" eaLnBrk="1" latinLnBrk="0" hangingPunct="1">
+              <a:lnSpc>
+                <a:spcPct val="90000"/>
+              </a:lnSpc>
+              <a:spcBef>
+                <a:spcPts val="525"/>
+              </a:spcBef>
+              <a:buFont typeface="Arial" panose="020B0604020202020204" pitchFamily="34" charset="0"/>
+              <a:buChar char="•"/>
+              <a:defRPr sz="1900" kern="1200">
+                <a:solidFill>
+                  <a:schemeClr val="tx1"/>
+                </a:solidFill>
+                <a:latin typeface="+mn-lt"/>
+                <a:ea typeface="+mn-ea"/>
+                <a:cs typeface="+mn-cs"/>
+              </a:defRPr>
+            </a:lvl8pPr>
+            <a:lvl9pPr marL="4098290" indent="-241300" algn="l" defTabSz="964565" rtl="0" eaLnBrk="1" latinLnBrk="0" hangingPunct="1">
+              <a:lnSpc>
+                <a:spcPct val="90000"/>
+              </a:lnSpc>
+              <a:spcBef>
+                <a:spcPts val="525"/>
+              </a:spcBef>
+              <a:buFont typeface="Arial" panose="020B0604020202020204" pitchFamily="34" charset="0"/>
+              <a:buChar char="•"/>
+              <a:defRPr sz="1900" kern="1200">
+                <a:solidFill>
+                  <a:schemeClr val="tx1"/>
+                </a:solidFill>
+                <a:latin typeface="+mn-lt"/>
+                <a:ea typeface="+mn-ea"/>
+                <a:cs typeface="+mn-cs"/>
+              </a:defRPr>
+            </a:lvl9pPr>
+          </a:lstStyle>
+          <a:p>
+            <a:r>
+              <a:rPr kumimoji="1" lang="zh-CN" altLang="en-US" sz="1800" dirty="0" smtClean="0">
+                <a:solidFill>
+                  <a:schemeClr val="accent3"/>
+                </a:solidFill>
+                <a:latin typeface="微软雅黑" panose="020B0503020204020204" pitchFamily="34" charset="-122"/>
+                <a:ea typeface="微软雅黑" panose="020B0503020204020204" pitchFamily="34" charset="-122"/>
+              </a:rPr>
+              <a:t>解决方案</a:t>
+            </a:r>
+            <a:r>
+              <a:rPr kumimoji="1" lang="en-US" altLang="zh-CN" sz="1800" dirty="0" smtClean="0">
+                <a:solidFill>
+                  <a:schemeClr val="accent3"/>
+                </a:solidFill>
+                <a:latin typeface="微软雅黑" panose="020B0503020204020204" pitchFamily="34" charset="-122"/>
+                <a:ea typeface="微软雅黑" panose="020B0503020204020204" pitchFamily="34" charset="-122"/>
+              </a:rPr>
+              <a:t>--</a:t>
+            </a:r>
+            <a:r>
+              <a:rPr kumimoji="1" lang="zh-CN" altLang="en-US" sz="1800" dirty="0" smtClean="0">
+                <a:solidFill>
+                  <a:schemeClr val="accent3"/>
+                </a:solidFill>
+                <a:latin typeface="微软雅黑" panose="020B0503020204020204" pitchFamily="34" charset="-122"/>
+                <a:ea typeface="微软雅黑" panose="020B0503020204020204" pitchFamily="34" charset="-122"/>
+              </a:rPr>
+              <a:t>基于</a:t>
+            </a:r>
+            <a:r>
+              <a:rPr kumimoji="1" lang="en-US" altLang="zh-CN" sz="1800" dirty="0" smtClean="0">
+                <a:solidFill>
+                  <a:schemeClr val="accent3"/>
+                </a:solidFill>
+                <a:latin typeface="微软雅黑" panose="020B0503020204020204" pitchFamily="34" charset="-122"/>
+                <a:ea typeface="微软雅黑" panose="020B0503020204020204" pitchFamily="34" charset="-122"/>
+              </a:rPr>
+              <a:t>CNN</a:t>
+            </a:r>
+            <a:r>
+              <a:rPr kumimoji="1" lang="zh-CN" altLang="en-US" sz="1800" dirty="0" smtClean="0">
+                <a:solidFill>
+                  <a:schemeClr val="accent3"/>
+                </a:solidFill>
+                <a:latin typeface="微软雅黑" panose="020B0503020204020204" pitchFamily="34" charset="-122"/>
+                <a:ea typeface="微软雅黑" panose="020B0503020204020204" pitchFamily="34" charset="-122"/>
+              </a:rPr>
+              <a:t>的文本分类模型</a:t>
+            </a:r>
+            <a:endParaRPr kumimoji="1" lang="zh-CN" altLang="en-US" sz="1800" dirty="0" smtClean="0">
+              <a:solidFill>
+                <a:schemeClr val="accent3"/>
+              </a:solidFill>
+              <a:latin typeface="微软雅黑" panose="020B0503020204020204" pitchFamily="34" charset="-122"/>
+              <a:ea typeface="微软雅黑" panose="020B0503020204020204" pitchFamily="34" charset="-122"/>
+            </a:endParaRPr>
+          </a:p>
+        </p:txBody>
+      </p:sp>
+      <p:pic>
+        <p:nvPicPr>
+          <p:cNvPr id="2" name="图片 1" descr="F"/>
+          <p:cNvPicPr>
+            <a:picLocks noChangeAspect="1"/>
+          </p:cNvPicPr>
+          <p:nvPr/>
+        </p:nvPicPr>
+        <p:blipFill>
+          <a:blip r:embed="rId1"/>
+          <a:stretch>
+            <a:fillRect/>
+          </a:stretch>
+        </p:blipFill>
+        <p:spPr>
+          <a:xfrm>
+            <a:off x="1400175" y="1209675"/>
+            <a:ext cx="10058400" cy="4813300"/>
+          </a:xfrm>
+          <a:prstGeom prst="rect">
+            <a:avLst/>
+          </a:prstGeom>
+        </p:spPr>
+      </p:pic>
+      <p:sp>
+        <p:nvSpPr>
+          <p:cNvPr id="3" name="文本框 2"/>
+          <p:cNvSpPr txBox="1"/>
+          <p:nvPr/>
+        </p:nvSpPr>
+        <p:spPr>
+          <a:xfrm>
+            <a:off x="6107430" y="6377305"/>
+            <a:ext cx="2540000" cy="368300"/>
+          </a:xfrm>
+          <a:prstGeom prst="rect">
+            <a:avLst/>
+          </a:prstGeom>
+          <a:noFill/>
+        </p:spPr>
+        <p:txBody>
+          <a:bodyPr wrap="square" rtlCol="0" anchor="t">
+            <a:spAutoFit/>
+          </a:bodyPr>
+          <a:p>
+            <a:r>
+              <a:rPr lang="en-US" altLang="zh-CN" b="1" dirty="0">
+                <a:latin typeface="幼圆" panose="02010509060101010101" charset="-122"/>
+                <a:ea typeface="幼圆" panose="02010509060101010101" charset="-122"/>
+                <a:sym typeface="+mn-ea"/>
+              </a:rPr>
+              <a:t>F</a:t>
+            </a:r>
+            <a:r>
+              <a:rPr lang="zh-CN" altLang="en-US" b="1" dirty="0">
+                <a:latin typeface="幼圆" panose="02010509060101010101" charset="-122"/>
+                <a:ea typeface="幼圆" panose="02010509060101010101" charset="-122"/>
+                <a:sym typeface="+mn-ea"/>
+              </a:rPr>
+              <a:t>图</a:t>
+            </a:r>
+            <a:endParaRPr lang="zh-CN" altLang="en-US" b="1" dirty="0">
+              <a:latin typeface="幼圆" panose="02010509060101010101" charset="-122"/>
+              <a:ea typeface="幼圆" panose="02010509060101010101" charset="-122"/>
+              <a:sym typeface="+mn-ea"/>
+            </a:endParaRPr>
+          </a:p>
+        </p:txBody>
+      </p:sp>
+    </p:spTree>
+  </p:cSld>
+  <p:clrMapOvr>
+    <a:masterClrMapping/>
+  </p:clrMapOvr>
+  <mc:AlternateContent xmlns:mc="http://schemas.openxmlformats.org/markup-compatibility/2006">
+    <mc:Choice xmlns:p14="http://schemas.microsoft.com/office/powerpoint/2010/main" Requires="p14">
+      <p:transition p14:dur="9" advTm="0">
+        <p14:flip dir="r"/>
+      </p:transition>
+    </mc:Choice>
+    <mc:Fallback>
+      <p:transition advTm="0">
+        <p:fade/>
+      </p:transition>
+    </mc:Fallback>
+  </mc:AlternateContent>
+  <p:timing>
+    <p:tnLst>
+      <p:par>
+        <p:cTn id="1" dur="indefinite" restart="never" nodeType="tmRoot"/>
+      </p:par>
+    </p:tnLst>
+  </p:timing>
+</p:sld>
+</file>
+
+<file path=ppt/slides/slide16.xml><?xml version="1.0" encoding="utf-8"?>
+<p:sld xmlns:a="http://schemas.openxmlformats.org/drawingml/2006/main" xmlns:r="http://schemas.openxmlformats.org/officeDocument/2006/relationships" xmlns:p="http://schemas.openxmlformats.org/presentationml/2006/main">
+  <p:cSld>
+    <p:spTree>
+      <p:nvGrpSpPr>
+        <p:cNvPr id="1" name=""/>
+        <p:cNvGrpSpPr/>
+        <p:nvPr/>
+      </p:nvGrpSpPr>
+      <p:grpSpPr>
+        <a:xfrm>
+          <a:off x="0" y="0"/>
+          <a:ext cx="0" cy="0"/>
+          <a:chOff x="0" y="0"/>
+          <a:chExt cx="0" cy="0"/>
+        </a:xfrm>
+      </p:grpSpPr>
+      <p:sp>
+        <p:nvSpPr>
+          <p:cNvPr id="7" name="文本占位符 13"/>
+          <p:cNvSpPr txBox="1"/>
+          <p:nvPr/>
+        </p:nvSpPr>
+        <p:spPr>
+          <a:xfrm>
+            <a:off x="381000" y="214630"/>
+            <a:ext cx="3919855" cy="354965"/>
+          </a:xfrm>
+          <a:prstGeom prst="rect">
+            <a:avLst/>
+          </a:prstGeom>
+        </p:spPr>
+        <p:txBody>
+          <a:bodyPr vert="horz"/>
+          <a:lstStyle>
+            <a:lvl1pPr marL="0" indent="0" algn="l" defTabSz="964565" rtl="0" eaLnBrk="1" latinLnBrk="0" hangingPunct="1">
+              <a:lnSpc>
+                <a:spcPct val="100000"/>
+              </a:lnSpc>
+              <a:spcBef>
+                <a:spcPts val="1055"/>
+              </a:spcBef>
+              <a:buFont typeface="Arial" panose="020B0604020202020204" pitchFamily="34" charset="0"/>
+              <a:buNone/>
+              <a:defRPr sz="1685" kern="1200">
+                <a:solidFill>
+                  <a:schemeClr val="tx1"/>
+                </a:solidFill>
+                <a:latin typeface="+mn-lt"/>
+                <a:ea typeface="+mn-ea"/>
+                <a:cs typeface="+mn-cs"/>
+              </a:defRPr>
+            </a:lvl1pPr>
+            <a:lvl2pPr marL="723265" indent="-241300" algn="l" defTabSz="964565" rtl="0" eaLnBrk="1" latinLnBrk="0" hangingPunct="1">
+              <a:lnSpc>
+                <a:spcPct val="90000"/>
+              </a:lnSpc>
+              <a:spcBef>
+                <a:spcPts val="525"/>
+              </a:spcBef>
+              <a:buFont typeface="Arial" panose="020B0604020202020204" pitchFamily="34" charset="0"/>
+              <a:buChar char="•"/>
+              <a:defRPr sz="2530" kern="1200">
+                <a:solidFill>
+                  <a:schemeClr val="tx1"/>
+                </a:solidFill>
+                <a:latin typeface="+mn-lt"/>
+                <a:ea typeface="+mn-ea"/>
+                <a:cs typeface="+mn-cs"/>
+              </a:defRPr>
+            </a:lvl2pPr>
+            <a:lvl3pPr marL="1205230" indent="-241300" algn="l" defTabSz="964565" rtl="0" eaLnBrk="1" latinLnBrk="0" hangingPunct="1">
+              <a:lnSpc>
+                <a:spcPct val="90000"/>
+              </a:lnSpc>
+              <a:spcBef>
+                <a:spcPts val="525"/>
+              </a:spcBef>
+              <a:buFont typeface="Arial" panose="020B0604020202020204" pitchFamily="34" charset="0"/>
+              <a:buChar char="•"/>
+              <a:defRPr sz="2110" kern="1200">
+                <a:solidFill>
+                  <a:schemeClr val="tx1"/>
+                </a:solidFill>
+                <a:latin typeface="+mn-lt"/>
+                <a:ea typeface="+mn-ea"/>
+                <a:cs typeface="+mn-cs"/>
+              </a:defRPr>
+            </a:lvl3pPr>
+            <a:lvl4pPr marL="1687830" indent="-241300" algn="l" defTabSz="964565" rtl="0" eaLnBrk="1" latinLnBrk="0" hangingPunct="1">
+              <a:lnSpc>
+                <a:spcPct val="90000"/>
+              </a:lnSpc>
+              <a:spcBef>
+                <a:spcPts val="525"/>
+              </a:spcBef>
+              <a:buFont typeface="Arial" panose="020B0604020202020204" pitchFamily="34" charset="0"/>
+              <a:buChar char="•"/>
+              <a:defRPr sz="1900" kern="1200">
+                <a:solidFill>
+                  <a:schemeClr val="tx1"/>
+                </a:solidFill>
+                <a:latin typeface="+mn-lt"/>
+                <a:ea typeface="+mn-ea"/>
+                <a:cs typeface="+mn-cs"/>
+              </a:defRPr>
+            </a:lvl4pPr>
+            <a:lvl5pPr marL="2169795" indent="-241300" algn="l" defTabSz="964565" rtl="0" eaLnBrk="1" latinLnBrk="0" hangingPunct="1">
+              <a:lnSpc>
+                <a:spcPct val="90000"/>
+              </a:lnSpc>
+              <a:spcBef>
+                <a:spcPts val="525"/>
+              </a:spcBef>
+              <a:buFont typeface="Arial" panose="020B0604020202020204" pitchFamily="34" charset="0"/>
+              <a:buChar char="•"/>
+              <a:defRPr sz="1900" kern="1200">
+                <a:solidFill>
+                  <a:schemeClr val="tx1"/>
+                </a:solidFill>
+                <a:latin typeface="+mn-lt"/>
+                <a:ea typeface="+mn-ea"/>
+                <a:cs typeface="+mn-cs"/>
+              </a:defRPr>
+            </a:lvl5pPr>
+            <a:lvl6pPr marL="2651760" indent="-241300" algn="l" defTabSz="964565" rtl="0" eaLnBrk="1" latinLnBrk="0" hangingPunct="1">
+              <a:lnSpc>
+                <a:spcPct val="90000"/>
+              </a:lnSpc>
+              <a:spcBef>
+                <a:spcPts val="525"/>
+              </a:spcBef>
+              <a:buFont typeface="Arial" panose="020B0604020202020204" pitchFamily="34" charset="0"/>
+              <a:buChar char="•"/>
+              <a:defRPr sz="1900" kern="1200">
+                <a:solidFill>
+                  <a:schemeClr val="tx1"/>
+                </a:solidFill>
+                <a:latin typeface="+mn-lt"/>
+                <a:ea typeface="+mn-ea"/>
+                <a:cs typeface="+mn-cs"/>
+              </a:defRPr>
+            </a:lvl6pPr>
+            <a:lvl7pPr marL="3134360" indent="-241300" algn="l" defTabSz="964565" rtl="0" eaLnBrk="1" latinLnBrk="0" hangingPunct="1">
+              <a:lnSpc>
+                <a:spcPct val="90000"/>
+              </a:lnSpc>
+              <a:spcBef>
+                <a:spcPts val="525"/>
+              </a:spcBef>
+              <a:buFont typeface="Arial" panose="020B0604020202020204" pitchFamily="34" charset="0"/>
+              <a:buChar char="•"/>
+              <a:defRPr sz="1900" kern="1200">
+                <a:solidFill>
+                  <a:schemeClr val="tx1"/>
+                </a:solidFill>
+                <a:latin typeface="+mn-lt"/>
+                <a:ea typeface="+mn-ea"/>
+                <a:cs typeface="+mn-cs"/>
+              </a:defRPr>
+            </a:lvl7pPr>
+            <a:lvl8pPr marL="3616325" indent="-241300" algn="l" defTabSz="964565" rtl="0" eaLnBrk="1" latinLnBrk="0" hangingPunct="1">
+              <a:lnSpc>
+                <a:spcPct val="90000"/>
+              </a:lnSpc>
+              <a:spcBef>
+                <a:spcPts val="525"/>
+              </a:spcBef>
+              <a:buFont typeface="Arial" panose="020B0604020202020204" pitchFamily="34" charset="0"/>
+              <a:buChar char="•"/>
+              <a:defRPr sz="1900" kern="1200">
+                <a:solidFill>
+                  <a:schemeClr val="tx1"/>
+                </a:solidFill>
+                <a:latin typeface="+mn-lt"/>
+                <a:ea typeface="+mn-ea"/>
+                <a:cs typeface="+mn-cs"/>
+              </a:defRPr>
+            </a:lvl8pPr>
+            <a:lvl9pPr marL="4098290" indent="-241300" algn="l" defTabSz="964565" rtl="0" eaLnBrk="1" latinLnBrk="0" hangingPunct="1">
+              <a:lnSpc>
+                <a:spcPct val="90000"/>
+              </a:lnSpc>
+              <a:spcBef>
+                <a:spcPts val="525"/>
+              </a:spcBef>
+              <a:buFont typeface="Arial" panose="020B0604020202020204" pitchFamily="34" charset="0"/>
+              <a:buChar char="•"/>
+              <a:defRPr sz="1900" kern="1200">
+                <a:solidFill>
+                  <a:schemeClr val="tx1"/>
+                </a:solidFill>
+                <a:latin typeface="+mn-lt"/>
+                <a:ea typeface="+mn-ea"/>
+                <a:cs typeface="+mn-cs"/>
+              </a:defRPr>
+            </a:lvl9pPr>
+          </a:lstStyle>
+          <a:p>
+            <a:r>
+              <a:rPr kumimoji="1" lang="zh-CN" altLang="en-US" sz="1800" dirty="0" smtClean="0">
+                <a:solidFill>
+                  <a:schemeClr val="accent3"/>
+                </a:solidFill>
+                <a:latin typeface="微软雅黑" panose="020B0503020204020204" pitchFamily="34" charset="-122"/>
+                <a:ea typeface="微软雅黑" panose="020B0503020204020204" pitchFamily="34" charset="-122"/>
+              </a:rPr>
+              <a:t>解决方案</a:t>
+            </a:r>
+            <a:r>
+              <a:rPr kumimoji="1" lang="en-US" altLang="zh-CN" sz="1800" dirty="0" smtClean="0">
+                <a:solidFill>
+                  <a:schemeClr val="accent3"/>
+                </a:solidFill>
+                <a:latin typeface="微软雅黑" panose="020B0503020204020204" pitchFamily="34" charset="-122"/>
+                <a:ea typeface="微软雅黑" panose="020B0503020204020204" pitchFamily="34" charset="-122"/>
+              </a:rPr>
+              <a:t>--</a:t>
+            </a:r>
+            <a:r>
+              <a:rPr kumimoji="1" lang="zh-CN" altLang="en-US" sz="1800" dirty="0" smtClean="0">
+                <a:solidFill>
+                  <a:schemeClr val="accent3"/>
+                </a:solidFill>
+                <a:latin typeface="微软雅黑" panose="020B0503020204020204" pitchFamily="34" charset="-122"/>
+                <a:ea typeface="微软雅黑" panose="020B0503020204020204" pitchFamily="34" charset="-122"/>
+              </a:rPr>
+              <a:t>基于</a:t>
+            </a:r>
+            <a:r>
+              <a:rPr kumimoji="1" lang="en-US" altLang="zh-CN" sz="1800" dirty="0" smtClean="0">
+                <a:solidFill>
+                  <a:schemeClr val="accent3"/>
+                </a:solidFill>
+                <a:latin typeface="微软雅黑" panose="020B0503020204020204" pitchFamily="34" charset="-122"/>
+                <a:ea typeface="微软雅黑" panose="020B0503020204020204" pitchFamily="34" charset="-122"/>
+              </a:rPr>
+              <a:t>CNN</a:t>
+            </a:r>
+            <a:r>
+              <a:rPr kumimoji="1" lang="zh-CN" altLang="en-US" sz="1800" dirty="0" smtClean="0">
+                <a:solidFill>
+                  <a:schemeClr val="accent3"/>
+                </a:solidFill>
+                <a:latin typeface="微软雅黑" panose="020B0503020204020204" pitchFamily="34" charset="-122"/>
+                <a:ea typeface="微软雅黑" panose="020B0503020204020204" pitchFamily="34" charset="-122"/>
+              </a:rPr>
+              <a:t>的文本分类模型</a:t>
+            </a:r>
+            <a:endParaRPr kumimoji="1" lang="zh-CN" altLang="en-US" sz="1800" dirty="0" smtClean="0">
+              <a:solidFill>
+                <a:schemeClr val="accent3"/>
+              </a:solidFill>
+              <a:latin typeface="微软雅黑" panose="020B0503020204020204" pitchFamily="34" charset="-122"/>
+              <a:ea typeface="微软雅黑" panose="020B0503020204020204" pitchFamily="34" charset="-122"/>
+            </a:endParaRPr>
+          </a:p>
+        </p:txBody>
+      </p:sp>
+      <p:sp>
+        <p:nvSpPr>
+          <p:cNvPr id="3" name="文本框 2"/>
+          <p:cNvSpPr txBox="1"/>
+          <p:nvPr/>
+        </p:nvSpPr>
+        <p:spPr>
+          <a:xfrm>
+            <a:off x="6107430" y="6377305"/>
+            <a:ext cx="2540000" cy="368300"/>
+          </a:xfrm>
+          <a:prstGeom prst="rect">
+            <a:avLst/>
+          </a:prstGeom>
+          <a:noFill/>
+        </p:spPr>
+        <p:txBody>
+          <a:bodyPr wrap="square" rtlCol="0" anchor="t">
+            <a:spAutoFit/>
+          </a:bodyPr>
+          <a:p>
+            <a:r>
+              <a:rPr lang="en-US" altLang="zh-CN" b="1" dirty="0">
+                <a:latin typeface="幼圆" panose="02010509060101010101" charset="-122"/>
+                <a:ea typeface="幼圆" panose="02010509060101010101" charset="-122"/>
+                <a:sym typeface="+mn-ea"/>
+              </a:rPr>
+              <a:t>Loss</a:t>
+            </a:r>
+            <a:r>
+              <a:rPr lang="zh-CN" altLang="en-US" b="1" dirty="0">
+                <a:latin typeface="幼圆" panose="02010509060101010101" charset="-122"/>
+                <a:ea typeface="幼圆" panose="02010509060101010101" charset="-122"/>
+                <a:sym typeface="+mn-ea"/>
+              </a:rPr>
+              <a:t>图</a:t>
+            </a:r>
+            <a:endParaRPr lang="zh-CN" altLang="en-US" b="1" dirty="0">
+              <a:latin typeface="幼圆" panose="02010509060101010101" charset="-122"/>
+              <a:ea typeface="幼圆" panose="02010509060101010101" charset="-122"/>
+              <a:sym typeface="+mn-ea"/>
+            </a:endParaRPr>
+          </a:p>
+        </p:txBody>
+      </p:sp>
+      <p:pic>
+        <p:nvPicPr>
+          <p:cNvPr id="4" name="图片 3" descr="loss"/>
+          <p:cNvPicPr>
+            <a:picLocks noChangeAspect="1"/>
+          </p:cNvPicPr>
+          <p:nvPr/>
+        </p:nvPicPr>
+        <p:blipFill>
+          <a:blip r:embed="rId1"/>
+          <a:stretch>
+            <a:fillRect/>
+          </a:stretch>
+        </p:blipFill>
+        <p:spPr>
+          <a:xfrm>
+            <a:off x="1400175" y="1654175"/>
+            <a:ext cx="10057765" cy="3924300"/>
           </a:xfrm>
           <a:prstGeom prst="rect">
             <a:avLst/>
@@ -12063,149 +11941,369 @@
   <p:timing>
     <p:tnLst>
       <p:par>
-        <p:cTn id="1" dur="indefinite" restart="never" nodeType="tmRoot">
-          <p:childTnLst>
-            <p:seq concurrent="1" nextAc="seek">
-              <p:cTn id="2" dur="indefinite" nodeType="mainSeq">
-                <p:childTnLst>
-                  <p:par>
-                    <p:cTn id="3" fill="hold">
-                      <p:stCondLst>
-                        <p:cond delay="indefinite"/>
-                      </p:stCondLst>
-                      <p:childTnLst>
-                        <p:par>
-                          <p:cTn id="4" fill="hold">
-                            <p:stCondLst>
-                              <p:cond delay="0"/>
-                            </p:stCondLst>
-                            <p:childTnLst>
-                              <p:par>
-                                <p:cTn id="5" presetID="3" presetClass="entr" presetSubtype="10" fill="hold" grpId="2" nodeType="clickEffect">
-                                  <p:stCondLst>
-                                    <p:cond delay="0"/>
-                                  </p:stCondLst>
-                                  <p:iterate type="lt">
-                                    <p:tmPct val="0"/>
-                                  </p:iterate>
-                                  <p:childTnLst>
-                                    <p:set>
-                                      <p:cBhvr>
-                                        <p:cTn id="6" dur="1" fill="hold">
-                                          <p:stCondLst>
-                                            <p:cond delay="0"/>
-                                          </p:stCondLst>
-                                        </p:cTn>
-                                        <p:tgtEl>
-                                          <p:spTgt spid="11"/>
-                                        </p:tgtEl>
-                                        <p:attrNameLst>
-                                          <p:attrName>style.visibility</p:attrName>
-                                        </p:attrNameLst>
-                                      </p:cBhvr>
-                                      <p:to>
-                                        <p:strVal val="visible"/>
-                                      </p:to>
-                                    </p:set>
-                                    <p:animEffect transition="in" filter="blinds(horizontal)">
-                                      <p:cBhvr>
-                                        <p:cTn id="7" dur="500"/>
-                                        <p:tgtEl>
-                                          <p:spTgt spid="11"/>
-                                        </p:tgtEl>
-                                      </p:cBhvr>
-                                    </p:animEffect>
-                                  </p:childTnLst>
-                                </p:cTn>
-                              </p:par>
-                            </p:childTnLst>
-                          </p:cTn>
-                        </p:par>
-                      </p:childTnLst>
-                    </p:cTn>
-                  </p:par>
-                  <p:par>
-                    <p:cTn id="8" fill="hold">
-                      <p:stCondLst>
-                        <p:cond delay="indefinite"/>
-                      </p:stCondLst>
-                      <p:childTnLst>
-                        <p:par>
-                          <p:cTn id="9" fill="hold">
-                            <p:stCondLst>
-                              <p:cond delay="0"/>
-                            </p:stCondLst>
-                            <p:childTnLst>
-                              <p:par>
-                                <p:cTn id="10" presetID="3" presetClass="entr" presetSubtype="10" fill="hold" nodeType="clickEffect">
-                                  <p:stCondLst>
-                                    <p:cond delay="0"/>
-                                  </p:stCondLst>
-                                  <p:childTnLst>
-                                    <p:set>
-                                      <p:cBhvr>
-                                        <p:cTn id="11" dur="1" fill="hold">
-                                          <p:stCondLst>
-                                            <p:cond delay="0"/>
-                                          </p:stCondLst>
-                                        </p:cTn>
-                                        <p:tgtEl>
-                                          <p:spTgt spid="5"/>
-                                        </p:tgtEl>
-                                        <p:attrNameLst>
-                                          <p:attrName>style.visibility</p:attrName>
-                                        </p:attrNameLst>
-                                      </p:cBhvr>
-                                      <p:to>
-                                        <p:strVal val="visible"/>
-                                      </p:to>
-                                    </p:set>
-                                    <p:animEffect transition="in" filter="blinds(horizontal)">
-                                      <p:cBhvr>
-                                        <p:cTn id="12" dur="500"/>
-                                        <p:tgtEl>
-                                          <p:spTgt spid="5"/>
-                                        </p:tgtEl>
-                                      </p:cBhvr>
-                                    </p:animEffect>
-                                  </p:childTnLst>
-                                </p:cTn>
-                              </p:par>
-                            </p:childTnLst>
-                          </p:cTn>
-                        </p:par>
-                      </p:childTnLst>
-                    </p:cTn>
-                  </p:par>
-                </p:childTnLst>
-              </p:cTn>
-              <p:prevCondLst>
-                <p:cond evt="onPrev" delay="0">
-                  <p:tgtEl>
-                    <p:sldTgt/>
-                  </p:tgtEl>
-                </p:cond>
-              </p:prevCondLst>
-              <p:nextCondLst>
-                <p:cond evt="onNext" delay="0">
-                  <p:tgtEl>
-                    <p:sldTgt/>
-                  </p:tgtEl>
-                </p:cond>
-              </p:nextCondLst>
-            </p:seq>
-          </p:childTnLst>
-        </p:cTn>
+        <p:cTn id="1" dur="indefinite" restart="never" nodeType="tmRoot"/>
       </p:par>
     </p:tnLst>
-    <p:bldLst>
-      <p:bldP spid="11" grpId="2"/>
-    </p:bldLst>
   </p:timing>
 </p:sld>
 </file>
 
-<file path=ppt/slides/slide15.xml><?xml version="1.0" encoding="utf-8"?>
+<file path=ppt/slides/slide17.xml><?xml version="1.0" encoding="utf-8"?>
+<p:sld xmlns:a="http://schemas.openxmlformats.org/drawingml/2006/main" xmlns:r="http://schemas.openxmlformats.org/officeDocument/2006/relationships" xmlns:p="http://schemas.openxmlformats.org/presentationml/2006/main">
+  <p:cSld>
+    <p:spTree>
+      <p:nvGrpSpPr>
+        <p:cNvPr id="1" name=""/>
+        <p:cNvGrpSpPr/>
+        <p:nvPr/>
+      </p:nvGrpSpPr>
+      <p:grpSpPr>
+        <a:xfrm>
+          <a:off x="0" y="0"/>
+          <a:ext cx="0" cy="0"/>
+          <a:chOff x="0" y="0"/>
+          <a:chExt cx="0" cy="0"/>
+        </a:xfrm>
+      </p:grpSpPr>
+      <p:sp>
+        <p:nvSpPr>
+          <p:cNvPr id="7" name="文本占位符 13"/>
+          <p:cNvSpPr txBox="1"/>
+          <p:nvPr/>
+        </p:nvSpPr>
+        <p:spPr>
+          <a:xfrm>
+            <a:off x="381000" y="214630"/>
+            <a:ext cx="3919855" cy="354965"/>
+          </a:xfrm>
+          <a:prstGeom prst="rect">
+            <a:avLst/>
+          </a:prstGeom>
+        </p:spPr>
+        <p:txBody>
+          <a:bodyPr vert="horz"/>
+          <a:lstStyle>
+            <a:lvl1pPr marL="0" indent="0" algn="l" defTabSz="964565" rtl="0" eaLnBrk="1" latinLnBrk="0" hangingPunct="1">
+              <a:lnSpc>
+                <a:spcPct val="100000"/>
+              </a:lnSpc>
+              <a:spcBef>
+                <a:spcPts val="1055"/>
+              </a:spcBef>
+              <a:buFont typeface="Arial" panose="020B0604020202020204" pitchFamily="34" charset="0"/>
+              <a:buNone/>
+              <a:defRPr sz="1685" kern="1200">
+                <a:solidFill>
+                  <a:schemeClr val="tx1"/>
+                </a:solidFill>
+                <a:latin typeface="+mn-lt"/>
+                <a:ea typeface="+mn-ea"/>
+                <a:cs typeface="+mn-cs"/>
+              </a:defRPr>
+            </a:lvl1pPr>
+            <a:lvl2pPr marL="723265" indent="-241300" algn="l" defTabSz="964565" rtl="0" eaLnBrk="1" latinLnBrk="0" hangingPunct="1">
+              <a:lnSpc>
+                <a:spcPct val="90000"/>
+              </a:lnSpc>
+              <a:spcBef>
+                <a:spcPts val="525"/>
+              </a:spcBef>
+              <a:buFont typeface="Arial" panose="020B0604020202020204" pitchFamily="34" charset="0"/>
+              <a:buChar char="•"/>
+              <a:defRPr sz="2530" kern="1200">
+                <a:solidFill>
+                  <a:schemeClr val="tx1"/>
+                </a:solidFill>
+                <a:latin typeface="+mn-lt"/>
+                <a:ea typeface="+mn-ea"/>
+                <a:cs typeface="+mn-cs"/>
+              </a:defRPr>
+            </a:lvl2pPr>
+            <a:lvl3pPr marL="1205230" indent="-241300" algn="l" defTabSz="964565" rtl="0" eaLnBrk="1" latinLnBrk="0" hangingPunct="1">
+              <a:lnSpc>
+                <a:spcPct val="90000"/>
+              </a:lnSpc>
+              <a:spcBef>
+                <a:spcPts val="525"/>
+              </a:spcBef>
+              <a:buFont typeface="Arial" panose="020B0604020202020204" pitchFamily="34" charset="0"/>
+              <a:buChar char="•"/>
+              <a:defRPr sz="2110" kern="1200">
+                <a:solidFill>
+                  <a:schemeClr val="tx1"/>
+                </a:solidFill>
+                <a:latin typeface="+mn-lt"/>
+                <a:ea typeface="+mn-ea"/>
+                <a:cs typeface="+mn-cs"/>
+              </a:defRPr>
+            </a:lvl3pPr>
+            <a:lvl4pPr marL="1687830" indent="-241300" algn="l" defTabSz="964565" rtl="0" eaLnBrk="1" latinLnBrk="0" hangingPunct="1">
+              <a:lnSpc>
+                <a:spcPct val="90000"/>
+              </a:lnSpc>
+              <a:spcBef>
+                <a:spcPts val="525"/>
+              </a:spcBef>
+              <a:buFont typeface="Arial" panose="020B0604020202020204" pitchFamily="34" charset="0"/>
+              <a:buChar char="•"/>
+              <a:defRPr sz="1900" kern="1200">
+                <a:solidFill>
+                  <a:schemeClr val="tx1"/>
+                </a:solidFill>
+                <a:latin typeface="+mn-lt"/>
+                <a:ea typeface="+mn-ea"/>
+                <a:cs typeface="+mn-cs"/>
+              </a:defRPr>
+            </a:lvl4pPr>
+            <a:lvl5pPr marL="2169795" indent="-241300" algn="l" defTabSz="964565" rtl="0" eaLnBrk="1" latinLnBrk="0" hangingPunct="1">
+              <a:lnSpc>
+                <a:spcPct val="90000"/>
+              </a:lnSpc>
+              <a:spcBef>
+                <a:spcPts val="525"/>
+              </a:spcBef>
+              <a:buFont typeface="Arial" panose="020B0604020202020204" pitchFamily="34" charset="0"/>
+              <a:buChar char="•"/>
+              <a:defRPr sz="1900" kern="1200">
+                <a:solidFill>
+                  <a:schemeClr val="tx1"/>
+                </a:solidFill>
+                <a:latin typeface="+mn-lt"/>
+                <a:ea typeface="+mn-ea"/>
+                <a:cs typeface="+mn-cs"/>
+              </a:defRPr>
+            </a:lvl5pPr>
+            <a:lvl6pPr marL="2651760" indent="-241300" algn="l" defTabSz="964565" rtl="0" eaLnBrk="1" latinLnBrk="0" hangingPunct="1">
+              <a:lnSpc>
+                <a:spcPct val="90000"/>
+              </a:lnSpc>
+              <a:spcBef>
+                <a:spcPts val="525"/>
+              </a:spcBef>
+              <a:buFont typeface="Arial" panose="020B0604020202020204" pitchFamily="34" charset="0"/>
+              <a:buChar char="•"/>
+              <a:defRPr sz="1900" kern="1200">
+                <a:solidFill>
+                  <a:schemeClr val="tx1"/>
+                </a:solidFill>
+                <a:latin typeface="+mn-lt"/>
+                <a:ea typeface="+mn-ea"/>
+                <a:cs typeface="+mn-cs"/>
+              </a:defRPr>
+            </a:lvl6pPr>
+            <a:lvl7pPr marL="3134360" indent="-241300" algn="l" defTabSz="964565" rtl="0" eaLnBrk="1" latinLnBrk="0" hangingPunct="1">
+              <a:lnSpc>
+                <a:spcPct val="90000"/>
+              </a:lnSpc>
+              <a:spcBef>
+                <a:spcPts val="525"/>
+              </a:spcBef>
+              <a:buFont typeface="Arial" panose="020B0604020202020204" pitchFamily="34" charset="0"/>
+              <a:buChar char="•"/>
+              <a:defRPr sz="1900" kern="1200">
+                <a:solidFill>
+                  <a:schemeClr val="tx1"/>
+                </a:solidFill>
+                <a:latin typeface="+mn-lt"/>
+                <a:ea typeface="+mn-ea"/>
+                <a:cs typeface="+mn-cs"/>
+              </a:defRPr>
+            </a:lvl7pPr>
+            <a:lvl8pPr marL="3616325" indent="-241300" algn="l" defTabSz="964565" rtl="0" eaLnBrk="1" latinLnBrk="0" hangingPunct="1">
+              <a:lnSpc>
+                <a:spcPct val="90000"/>
+              </a:lnSpc>
+              <a:spcBef>
+                <a:spcPts val="525"/>
+              </a:spcBef>
+              <a:buFont typeface="Arial" panose="020B0604020202020204" pitchFamily="34" charset="0"/>
+              <a:buChar char="•"/>
+              <a:defRPr sz="1900" kern="1200">
+                <a:solidFill>
+                  <a:schemeClr val="tx1"/>
+                </a:solidFill>
+                <a:latin typeface="+mn-lt"/>
+                <a:ea typeface="+mn-ea"/>
+                <a:cs typeface="+mn-cs"/>
+              </a:defRPr>
+            </a:lvl8pPr>
+            <a:lvl9pPr marL="4098290" indent="-241300" algn="l" defTabSz="964565" rtl="0" eaLnBrk="1" latinLnBrk="0" hangingPunct="1">
+              <a:lnSpc>
+                <a:spcPct val="90000"/>
+              </a:lnSpc>
+              <a:spcBef>
+                <a:spcPts val="525"/>
+              </a:spcBef>
+              <a:buFont typeface="Arial" panose="020B0604020202020204" pitchFamily="34" charset="0"/>
+              <a:buChar char="•"/>
+              <a:defRPr sz="1900" kern="1200">
+                <a:solidFill>
+                  <a:schemeClr val="tx1"/>
+                </a:solidFill>
+                <a:latin typeface="+mn-lt"/>
+                <a:ea typeface="+mn-ea"/>
+                <a:cs typeface="+mn-cs"/>
+              </a:defRPr>
+            </a:lvl9pPr>
+          </a:lstStyle>
+          <a:p>
+            <a:r>
+              <a:rPr kumimoji="1" lang="zh-CN" altLang="en-US" sz="1800" dirty="0" smtClean="0">
+                <a:solidFill>
+                  <a:schemeClr val="accent3"/>
+                </a:solidFill>
+                <a:latin typeface="微软雅黑" panose="020B0503020204020204" pitchFamily="34" charset="-122"/>
+                <a:ea typeface="微软雅黑" panose="020B0503020204020204" pitchFamily="34" charset="-122"/>
+              </a:rPr>
+              <a:t>解决方案</a:t>
+            </a:r>
+            <a:r>
+              <a:rPr kumimoji="1" lang="en-US" altLang="zh-CN" sz="1800" dirty="0" smtClean="0">
+                <a:solidFill>
+                  <a:schemeClr val="accent3"/>
+                </a:solidFill>
+                <a:latin typeface="微软雅黑" panose="020B0503020204020204" pitchFamily="34" charset="-122"/>
+                <a:ea typeface="微软雅黑" panose="020B0503020204020204" pitchFamily="34" charset="-122"/>
+              </a:rPr>
+              <a:t>--</a:t>
+            </a:r>
+            <a:r>
+              <a:rPr kumimoji="1" lang="zh-CN" altLang="en-US" sz="1800" dirty="0" smtClean="0">
+                <a:solidFill>
+                  <a:schemeClr val="accent3"/>
+                </a:solidFill>
+                <a:latin typeface="微软雅黑" panose="020B0503020204020204" pitchFamily="34" charset="-122"/>
+                <a:ea typeface="微软雅黑" panose="020B0503020204020204" pitchFamily="34" charset="-122"/>
+              </a:rPr>
+              <a:t>基于</a:t>
+            </a:r>
+            <a:r>
+              <a:rPr kumimoji="1" lang="en-US" altLang="zh-CN" sz="1800" dirty="0" smtClean="0">
+                <a:solidFill>
+                  <a:schemeClr val="accent3"/>
+                </a:solidFill>
+                <a:latin typeface="微软雅黑" panose="020B0503020204020204" pitchFamily="34" charset="-122"/>
+                <a:ea typeface="微软雅黑" panose="020B0503020204020204" pitchFamily="34" charset="-122"/>
+              </a:rPr>
+              <a:t>CNN</a:t>
+            </a:r>
+            <a:r>
+              <a:rPr kumimoji="1" lang="zh-CN" altLang="en-US" sz="1800" dirty="0" smtClean="0">
+                <a:solidFill>
+                  <a:schemeClr val="accent3"/>
+                </a:solidFill>
+                <a:latin typeface="微软雅黑" panose="020B0503020204020204" pitchFamily="34" charset="-122"/>
+                <a:ea typeface="微软雅黑" panose="020B0503020204020204" pitchFamily="34" charset="-122"/>
+              </a:rPr>
+              <a:t>的文本分类模型</a:t>
+            </a:r>
+            <a:endParaRPr kumimoji="1" lang="zh-CN" altLang="en-US" sz="1800" dirty="0" smtClean="0">
+              <a:solidFill>
+                <a:schemeClr val="accent3"/>
+              </a:solidFill>
+              <a:latin typeface="微软雅黑" panose="020B0503020204020204" pitchFamily="34" charset="-122"/>
+              <a:ea typeface="微软雅黑" panose="020B0503020204020204" pitchFamily="34" charset="-122"/>
+            </a:endParaRPr>
+          </a:p>
+        </p:txBody>
+      </p:sp>
+      <p:sp>
+        <p:nvSpPr>
+          <p:cNvPr id="3" name="文本框 2"/>
+          <p:cNvSpPr txBox="1"/>
+          <p:nvPr/>
+        </p:nvSpPr>
+        <p:spPr>
+          <a:xfrm>
+            <a:off x="6063615" y="5937885"/>
+            <a:ext cx="2540000" cy="368300"/>
+          </a:xfrm>
+          <a:prstGeom prst="rect">
+            <a:avLst/>
+          </a:prstGeom>
+          <a:noFill/>
+        </p:spPr>
+        <p:txBody>
+          <a:bodyPr wrap="square" rtlCol="0" anchor="t">
+            <a:spAutoFit/>
+          </a:bodyPr>
+          <a:p>
+            <a:r>
+              <a:rPr lang="en-US" altLang="zh-CN" b="1" dirty="0">
+                <a:latin typeface="幼圆" panose="02010509060101010101" charset="-122"/>
+                <a:ea typeface="幼圆" panose="02010509060101010101" charset="-122"/>
+                <a:sym typeface="+mn-ea"/>
+              </a:rPr>
+              <a:t>recall</a:t>
+            </a:r>
+            <a:r>
+              <a:rPr lang="zh-CN" altLang="en-US" b="1" dirty="0">
+                <a:latin typeface="幼圆" panose="02010509060101010101" charset="-122"/>
+                <a:ea typeface="幼圆" panose="02010509060101010101" charset="-122"/>
+                <a:sym typeface="+mn-ea"/>
+              </a:rPr>
+              <a:t>图</a:t>
+            </a:r>
+            <a:endParaRPr lang="zh-CN" altLang="en-US" b="1" dirty="0">
+              <a:latin typeface="幼圆" panose="02010509060101010101" charset="-122"/>
+              <a:ea typeface="幼圆" panose="02010509060101010101" charset="-122"/>
+              <a:sym typeface="+mn-ea"/>
+            </a:endParaRPr>
+          </a:p>
+        </p:txBody>
+      </p:sp>
+      <p:pic>
+        <p:nvPicPr>
+          <p:cNvPr id="2" name="图片 1" descr="recall"/>
+          <p:cNvPicPr>
+            <a:picLocks noChangeAspect="1"/>
+          </p:cNvPicPr>
+          <p:nvPr/>
+        </p:nvPicPr>
+        <p:blipFill>
+          <a:blip r:embed="rId1"/>
+          <a:stretch>
+            <a:fillRect/>
+          </a:stretch>
+        </p:blipFill>
+        <p:spPr>
+          <a:xfrm>
+            <a:off x="1400175" y="1974850"/>
+            <a:ext cx="10058400" cy="3282315"/>
+          </a:xfrm>
+          <a:prstGeom prst="rect">
+            <a:avLst/>
+          </a:prstGeom>
+        </p:spPr>
+      </p:pic>
+    </p:spTree>
+  </p:cSld>
+  <p:clrMapOvr>
+    <a:masterClrMapping/>
+  </p:clrMapOvr>
+  <mc:AlternateContent xmlns:mc="http://schemas.openxmlformats.org/markup-compatibility/2006">
+    <mc:Choice xmlns:p14="http://schemas.microsoft.com/office/powerpoint/2010/main" Requires="p14">
+      <p:transition p14:dur="9" advTm="0">
+        <p14:flip dir="r"/>
+      </p:transition>
+    </mc:Choice>
+    <mc:Fallback>
+      <p:transition advTm="0">
+        <p:fade/>
+      </p:transition>
+    </mc:Fallback>
+  </mc:AlternateContent>
+  <p:timing>
+    <p:tnLst>
+      <p:par>
+        <p:cTn id="1" dur="indefinite" restart="never" nodeType="tmRoot"/>
+      </p:par>
+    </p:tnLst>
+  </p:timing>
+</p:sld>
+</file>
+
+<file path=ppt/slides/slide18.xml><?xml version="1.0" encoding="utf-8"?>
 <p:sld xmlns:a="http://schemas.openxmlformats.org/drawingml/2006/main" xmlns:r="http://schemas.openxmlformats.org/officeDocument/2006/relationships" xmlns:p="http://schemas.openxmlformats.org/presentationml/2006/main">
   <p:cSld>
     <p:spTree>
@@ -15443,7 +15541,7 @@
 </p:sld>
 </file>
 
-<file path=ppt/slides/slide16.xml><?xml version="1.0" encoding="utf-8"?>
+<file path=ppt/slides/slide19.xml><?xml version="1.0" encoding="utf-8"?>
 <p:sld xmlns:a="http://schemas.openxmlformats.org/drawingml/2006/main" xmlns:r="http://schemas.openxmlformats.org/officeDocument/2006/relationships" xmlns:p="http://schemas.openxmlformats.org/presentationml/2006/main">
   <p:cSld>
     <p:spTree>
@@ -15899,7 +15997,528 @@
 </p:sld>
 </file>
 
-<file path=ppt/slides/slide17.xml><?xml version="1.0" encoding="utf-8"?>
+<file path=ppt/slides/slide2.xml><?xml version="1.0" encoding="utf-8"?>
+<p:sld xmlns:a="http://schemas.openxmlformats.org/drawingml/2006/main" xmlns:r="http://schemas.openxmlformats.org/officeDocument/2006/relationships" xmlns:p="http://schemas.openxmlformats.org/presentationml/2006/main">
+  <p:cSld>
+    <p:spTree>
+      <p:nvGrpSpPr>
+        <p:cNvPr id="1" name=""/>
+        <p:cNvGrpSpPr/>
+        <p:nvPr/>
+      </p:nvGrpSpPr>
+      <p:grpSpPr>
+        <a:xfrm>
+          <a:off x="0" y="0"/>
+          <a:ext cx="0" cy="0"/>
+          <a:chOff x="0" y="0"/>
+          <a:chExt cx="0" cy="0"/>
+        </a:xfrm>
+      </p:grpSpPr>
+      <p:sp>
+        <p:nvSpPr>
+          <p:cNvPr id="65" name="文本占位符 13"/>
+          <p:cNvSpPr txBox="1"/>
+          <p:nvPr/>
+        </p:nvSpPr>
+        <p:spPr>
+          <a:xfrm>
+            <a:off x="381000" y="214630"/>
+            <a:ext cx="2782570" cy="354965"/>
+          </a:xfrm>
+          <a:prstGeom prst="rect">
+            <a:avLst/>
+          </a:prstGeom>
+        </p:spPr>
+        <p:txBody>
+          <a:bodyPr vert="horz"/>
+          <a:lstStyle>
+            <a:lvl1pPr marL="0" indent="0" algn="l" defTabSz="964565" rtl="0" eaLnBrk="1" latinLnBrk="0" hangingPunct="1">
+              <a:lnSpc>
+                <a:spcPct val="100000"/>
+              </a:lnSpc>
+              <a:spcBef>
+                <a:spcPts val="1055"/>
+              </a:spcBef>
+              <a:buFont typeface="Arial" panose="020B0604020202020204" pitchFamily="34" charset="0"/>
+              <a:buNone/>
+              <a:defRPr sz="1685" kern="1200">
+                <a:solidFill>
+                  <a:schemeClr val="tx1"/>
+                </a:solidFill>
+                <a:latin typeface="+mn-lt"/>
+                <a:ea typeface="+mn-ea"/>
+                <a:cs typeface="+mn-cs"/>
+              </a:defRPr>
+            </a:lvl1pPr>
+            <a:lvl2pPr marL="723265" indent="-241300" algn="l" defTabSz="964565" rtl="0" eaLnBrk="1" latinLnBrk="0" hangingPunct="1">
+              <a:lnSpc>
+                <a:spcPct val="90000"/>
+              </a:lnSpc>
+              <a:spcBef>
+                <a:spcPts val="525"/>
+              </a:spcBef>
+              <a:buFont typeface="Arial" panose="020B0604020202020204" pitchFamily="34" charset="0"/>
+              <a:buChar char="•"/>
+              <a:defRPr sz="2530" kern="1200">
+                <a:solidFill>
+                  <a:schemeClr val="tx1"/>
+                </a:solidFill>
+                <a:latin typeface="+mn-lt"/>
+                <a:ea typeface="+mn-ea"/>
+                <a:cs typeface="+mn-cs"/>
+              </a:defRPr>
+            </a:lvl2pPr>
+            <a:lvl3pPr marL="1205230" indent="-241300" algn="l" defTabSz="964565" rtl="0" eaLnBrk="1" latinLnBrk="0" hangingPunct="1">
+              <a:lnSpc>
+                <a:spcPct val="90000"/>
+              </a:lnSpc>
+              <a:spcBef>
+                <a:spcPts val="525"/>
+              </a:spcBef>
+              <a:buFont typeface="Arial" panose="020B0604020202020204" pitchFamily="34" charset="0"/>
+              <a:buChar char="•"/>
+              <a:defRPr sz="2110" kern="1200">
+                <a:solidFill>
+                  <a:schemeClr val="tx1"/>
+                </a:solidFill>
+                <a:latin typeface="+mn-lt"/>
+                <a:ea typeface="+mn-ea"/>
+                <a:cs typeface="+mn-cs"/>
+              </a:defRPr>
+            </a:lvl3pPr>
+            <a:lvl4pPr marL="1687830" indent="-241300" algn="l" defTabSz="964565" rtl="0" eaLnBrk="1" latinLnBrk="0" hangingPunct="1">
+              <a:lnSpc>
+                <a:spcPct val="90000"/>
+              </a:lnSpc>
+              <a:spcBef>
+                <a:spcPts val="525"/>
+              </a:spcBef>
+              <a:buFont typeface="Arial" panose="020B0604020202020204" pitchFamily="34" charset="0"/>
+              <a:buChar char="•"/>
+              <a:defRPr sz="1900" kern="1200">
+                <a:solidFill>
+                  <a:schemeClr val="tx1"/>
+                </a:solidFill>
+                <a:latin typeface="+mn-lt"/>
+                <a:ea typeface="+mn-ea"/>
+                <a:cs typeface="+mn-cs"/>
+              </a:defRPr>
+            </a:lvl4pPr>
+            <a:lvl5pPr marL="2169795" indent="-241300" algn="l" defTabSz="964565" rtl="0" eaLnBrk="1" latinLnBrk="0" hangingPunct="1">
+              <a:lnSpc>
+                <a:spcPct val="90000"/>
+              </a:lnSpc>
+              <a:spcBef>
+                <a:spcPts val="525"/>
+              </a:spcBef>
+              <a:buFont typeface="Arial" panose="020B0604020202020204" pitchFamily="34" charset="0"/>
+              <a:buChar char="•"/>
+              <a:defRPr sz="1900" kern="1200">
+                <a:solidFill>
+                  <a:schemeClr val="tx1"/>
+                </a:solidFill>
+                <a:latin typeface="+mn-lt"/>
+                <a:ea typeface="+mn-ea"/>
+                <a:cs typeface="+mn-cs"/>
+              </a:defRPr>
+            </a:lvl5pPr>
+            <a:lvl6pPr marL="2651760" indent="-241300" algn="l" defTabSz="964565" rtl="0" eaLnBrk="1" latinLnBrk="0" hangingPunct="1">
+              <a:lnSpc>
+                <a:spcPct val="90000"/>
+              </a:lnSpc>
+              <a:spcBef>
+                <a:spcPts val="525"/>
+              </a:spcBef>
+              <a:buFont typeface="Arial" panose="020B0604020202020204" pitchFamily="34" charset="0"/>
+              <a:buChar char="•"/>
+              <a:defRPr sz="1900" kern="1200">
+                <a:solidFill>
+                  <a:schemeClr val="tx1"/>
+                </a:solidFill>
+                <a:latin typeface="+mn-lt"/>
+                <a:ea typeface="+mn-ea"/>
+                <a:cs typeface="+mn-cs"/>
+              </a:defRPr>
+            </a:lvl6pPr>
+            <a:lvl7pPr marL="3134360" indent="-241300" algn="l" defTabSz="964565" rtl="0" eaLnBrk="1" latinLnBrk="0" hangingPunct="1">
+              <a:lnSpc>
+                <a:spcPct val="90000"/>
+              </a:lnSpc>
+              <a:spcBef>
+                <a:spcPts val="525"/>
+              </a:spcBef>
+              <a:buFont typeface="Arial" panose="020B0604020202020204" pitchFamily="34" charset="0"/>
+              <a:buChar char="•"/>
+              <a:defRPr sz="1900" kern="1200">
+                <a:solidFill>
+                  <a:schemeClr val="tx1"/>
+                </a:solidFill>
+                <a:latin typeface="+mn-lt"/>
+                <a:ea typeface="+mn-ea"/>
+                <a:cs typeface="+mn-cs"/>
+              </a:defRPr>
+            </a:lvl7pPr>
+            <a:lvl8pPr marL="3616325" indent="-241300" algn="l" defTabSz="964565" rtl="0" eaLnBrk="1" latinLnBrk="0" hangingPunct="1">
+              <a:lnSpc>
+                <a:spcPct val="90000"/>
+              </a:lnSpc>
+              <a:spcBef>
+                <a:spcPts val="525"/>
+              </a:spcBef>
+              <a:buFont typeface="Arial" panose="020B0604020202020204" pitchFamily="34" charset="0"/>
+              <a:buChar char="•"/>
+              <a:defRPr sz="1900" kern="1200">
+                <a:solidFill>
+                  <a:schemeClr val="tx1"/>
+                </a:solidFill>
+                <a:latin typeface="+mn-lt"/>
+                <a:ea typeface="+mn-ea"/>
+                <a:cs typeface="+mn-cs"/>
+              </a:defRPr>
+            </a:lvl8pPr>
+            <a:lvl9pPr marL="4098290" indent="-241300" algn="l" defTabSz="964565" rtl="0" eaLnBrk="1" latinLnBrk="0" hangingPunct="1">
+              <a:lnSpc>
+                <a:spcPct val="90000"/>
+              </a:lnSpc>
+              <a:spcBef>
+                <a:spcPts val="525"/>
+              </a:spcBef>
+              <a:buFont typeface="Arial" panose="020B0604020202020204" pitchFamily="34" charset="0"/>
+              <a:buChar char="•"/>
+              <a:defRPr sz="1900" kern="1200">
+                <a:solidFill>
+                  <a:schemeClr val="tx1"/>
+                </a:solidFill>
+                <a:latin typeface="+mn-lt"/>
+                <a:ea typeface="+mn-ea"/>
+                <a:cs typeface="+mn-cs"/>
+              </a:defRPr>
+            </a:lvl9pPr>
+          </a:lstStyle>
+          <a:p>
+            <a:r>
+              <a:rPr kumimoji="1" lang="zh-CN" altLang="en-US" sz="1800" dirty="0" smtClean="0">
+                <a:solidFill>
+                  <a:schemeClr val="accent3"/>
+                </a:solidFill>
+                <a:latin typeface="微软雅黑" panose="020B0503020204020204" pitchFamily="34" charset="-122"/>
+                <a:ea typeface="微软雅黑" panose="020B0503020204020204" pitchFamily="34" charset="-122"/>
+              </a:rPr>
+              <a:t>人员组织框架</a:t>
+            </a:r>
+            <a:endParaRPr kumimoji="1" lang="zh-CN" altLang="en-US" sz="1800" dirty="0" smtClean="0">
+              <a:solidFill>
+                <a:schemeClr val="accent3"/>
+              </a:solidFill>
+              <a:latin typeface="微软雅黑" panose="020B0503020204020204" pitchFamily="34" charset="-122"/>
+              <a:ea typeface="微软雅黑" panose="020B0503020204020204" pitchFamily="34" charset="-122"/>
+            </a:endParaRPr>
+          </a:p>
+        </p:txBody>
+      </p:sp>
+      <p:graphicFrame>
+        <p:nvGraphicFramePr>
+          <p:cNvPr id="2" name="表格 1"/>
+          <p:cNvGraphicFramePr/>
+          <p:nvPr/>
+        </p:nvGraphicFramePr>
+        <p:xfrm>
+          <a:off x="1451610" y="2218690"/>
+          <a:ext cx="9622155" cy="3423920"/>
+        </p:xfrm>
+        <a:graphic>
+          <a:graphicData uri="http://schemas.openxmlformats.org/drawingml/2006/table">
+            <a:tbl>
+              <a:tblPr firstRow="1" bandRow="1">
+                <a:tableStyleId>{5C22544A-7EE6-4342-B048-85BDC9FD1C3A}</a:tableStyleId>
+              </a:tblPr>
+              <a:tblGrid>
+                <a:gridCol w="2372995"/>
+                <a:gridCol w="3016885"/>
+                <a:gridCol w="4232275"/>
+              </a:tblGrid>
+              <a:tr h="855980">
+                <a:tc>
+                  <a:txBody>
+                    <a:bodyPr/>
+                    <a:p>
+                      <a:pPr algn="ctr">
+                        <a:buNone/>
+                      </a:pPr>
+                      <a:r>
+                        <a:rPr lang="zh-CN" altLang="en-US"/>
+                        <a:t>成员</a:t>
+                      </a:r>
+                      <a:endParaRPr lang="zh-CN" altLang="en-US"/>
+                    </a:p>
+                  </a:txBody>
+                  <a:tcPr/>
+                </a:tc>
+                <a:tc>
+                  <a:txBody>
+                    <a:bodyPr/>
+                    <a:p>
+                      <a:pPr algn="ctr">
+                        <a:buNone/>
+                      </a:pPr>
+                      <a:r>
+                        <a:rPr lang="zh-CN" altLang="en-US"/>
+                        <a:t>姓名</a:t>
+                      </a:r>
+                      <a:endParaRPr lang="zh-CN" altLang="en-US"/>
+                    </a:p>
+                  </a:txBody>
+                  <a:tcPr/>
+                </a:tc>
+                <a:tc>
+                  <a:txBody>
+                    <a:bodyPr/>
+                    <a:p>
+                      <a:pPr algn="ctr">
+                        <a:buNone/>
+                      </a:pPr>
+                      <a:r>
+                        <a:rPr lang="zh-CN" altLang="en-US"/>
+                        <a:t>任务</a:t>
+                      </a:r>
+                      <a:r>
+                        <a:rPr lang="zh-CN" altLang="en-US"/>
+                        <a:t>分布</a:t>
+                      </a:r>
+                      <a:endParaRPr lang="zh-CN" altLang="en-US"/>
+                    </a:p>
+                  </a:txBody>
+                  <a:tcPr/>
+                </a:tc>
+              </a:tr>
+              <a:tr h="855980">
+                <a:tc>
+                  <a:txBody>
+                    <a:bodyPr/>
+                    <a:p>
+                      <a:pPr algn="ctr">
+                        <a:buNone/>
+                      </a:pPr>
+                      <a:r>
+                        <a:rPr lang="zh-CN" altLang="en-US"/>
+                        <a:t>队长</a:t>
+                      </a:r>
+                      <a:endParaRPr lang="zh-CN" altLang="en-US"/>
+                    </a:p>
+                  </a:txBody>
+                  <a:tcPr/>
+                </a:tc>
+                <a:tc>
+                  <a:txBody>
+                    <a:bodyPr/>
+                    <a:p>
+                      <a:pPr algn="ctr">
+                        <a:buNone/>
+                      </a:pPr>
+                      <a:r>
+                        <a:rPr lang="zh-CN" altLang="en-US"/>
+                        <a:t>文杰</a:t>
+                      </a:r>
+                      <a:endParaRPr lang="zh-CN" altLang="en-US"/>
+                    </a:p>
+                  </a:txBody>
+                  <a:tcPr/>
+                </a:tc>
+                <a:tc>
+                  <a:txBody>
+                    <a:bodyPr/>
+                    <a:p>
+                      <a:pPr algn="ctr">
+                        <a:buNone/>
+                      </a:pPr>
+                      <a:r>
+                        <a:rPr lang="zh-CN" altLang="en-US"/>
+                        <a:t>模型训练、</a:t>
+                      </a:r>
+                      <a:r>
+                        <a:rPr lang="en-US" altLang="zh-CN"/>
+                        <a:t>PPT</a:t>
+                      </a:r>
+                      <a:r>
+                        <a:rPr lang="zh-CN" altLang="en-US"/>
+                        <a:t>制作、</a:t>
+                      </a:r>
+                      <a:r>
+                        <a:rPr lang="zh-CN" altLang="en-US" sz="1800">
+                          <a:sym typeface="+mn-ea"/>
+                        </a:rPr>
+                        <a:t>后端代码</a:t>
+                      </a:r>
+                      <a:endParaRPr lang="zh-CN" altLang="en-US"/>
+                    </a:p>
+                  </a:txBody>
+                  <a:tcPr/>
+                </a:tc>
+              </a:tr>
+              <a:tr h="855980">
+                <a:tc>
+                  <a:txBody>
+                    <a:bodyPr/>
+                    <a:p>
+                      <a:pPr algn="ctr">
+                        <a:buNone/>
+                      </a:pPr>
+                      <a:r>
+                        <a:rPr lang="zh-CN" altLang="en-US"/>
+                        <a:t>副队长</a:t>
+                      </a:r>
+                      <a:endParaRPr lang="zh-CN" altLang="en-US"/>
+                    </a:p>
+                  </a:txBody>
+                  <a:tcPr/>
+                </a:tc>
+                <a:tc>
+                  <a:txBody>
+                    <a:bodyPr/>
+                    <a:p>
+                      <a:pPr algn="ctr">
+                        <a:buNone/>
+                      </a:pPr>
+                      <a:r>
+                        <a:rPr lang="zh-CN" altLang="en-US"/>
+                        <a:t>彭巧娟</a:t>
+                      </a:r>
+                      <a:endParaRPr lang="zh-CN" altLang="en-US"/>
+                    </a:p>
+                  </a:txBody>
+                  <a:tcPr/>
+                </a:tc>
+                <a:tc>
+                  <a:txBody>
+                    <a:bodyPr/>
+                    <a:p>
+                      <a:pPr algn="ctr">
+                        <a:buNone/>
+                      </a:pPr>
+                      <a:r>
+                        <a:rPr lang="zh-CN" altLang="en-US"/>
+                        <a:t>概要文档、详细文档编辑</a:t>
+                      </a:r>
+                      <a:endParaRPr lang="zh-CN" altLang="en-US"/>
+                    </a:p>
+                  </a:txBody>
+                  <a:tcPr/>
+                </a:tc>
+              </a:tr>
+              <a:tr h="855980">
+                <a:tc>
+                  <a:txBody>
+                    <a:bodyPr/>
+                    <a:p>
+                      <a:pPr algn="ctr">
+                        <a:buNone/>
+                      </a:pPr>
+                      <a:r>
+                        <a:rPr lang="zh-CN" altLang="en-US"/>
+                        <a:t>队员</a:t>
+                      </a:r>
+                      <a:endParaRPr lang="zh-CN" altLang="en-US"/>
+                    </a:p>
+                  </a:txBody>
+                  <a:tcPr/>
+                </a:tc>
+                <a:tc>
+                  <a:txBody>
+                    <a:bodyPr/>
+                    <a:p>
+                      <a:pPr algn="ctr">
+                        <a:buNone/>
+                      </a:pPr>
+                      <a:r>
+                        <a:rPr lang="zh-CN" altLang="en-US"/>
+                        <a:t>张琳琳</a:t>
+                      </a:r>
+                      <a:endParaRPr lang="zh-CN" altLang="en-US"/>
+                    </a:p>
+                  </a:txBody>
+                  <a:tcPr/>
+                </a:tc>
+                <a:tc>
+                  <a:txBody>
+                    <a:bodyPr/>
+                    <a:p>
+                      <a:pPr algn="ctr">
+                        <a:buNone/>
+                      </a:pPr>
+                      <a:r>
+                        <a:rPr lang="en-US" altLang="zh-CN"/>
+                        <a:t>web端</a:t>
+                      </a:r>
+                      <a:r>
+                        <a:rPr lang="zh-CN" altLang="en-US"/>
+                        <a:t>数据</a:t>
+                      </a:r>
+                      <a:r>
+                        <a:rPr lang="en-US" altLang="zh-CN"/>
+                        <a:t>可视化</a:t>
+                      </a:r>
+                      <a:endParaRPr lang="en-US" altLang="zh-CN"/>
+                    </a:p>
+                  </a:txBody>
+                  <a:tcPr/>
+                </a:tc>
+              </a:tr>
+            </a:tbl>
+          </a:graphicData>
+        </a:graphic>
+      </p:graphicFrame>
+      <p:pic>
+        <p:nvPicPr>
+          <p:cNvPr id="7" name="图片 6" descr="u=703340956,925981140&amp;fm=26&amp;gp=0"/>
+          <p:cNvPicPr>
+            <a:picLocks noChangeAspect="1"/>
+          </p:cNvPicPr>
+          <p:nvPr/>
+        </p:nvPicPr>
+        <p:blipFill>
+          <a:blip r:embed="rId1"/>
+          <a:stretch>
+            <a:fillRect/>
+          </a:stretch>
+        </p:blipFill>
+        <p:spPr>
+          <a:xfrm>
+            <a:off x="10244455" y="12065"/>
+            <a:ext cx="2588260" cy="2041525"/>
+          </a:xfrm>
+          <a:prstGeom prst="rect">
+            <a:avLst/>
+          </a:prstGeom>
+        </p:spPr>
+      </p:pic>
+    </p:spTree>
+  </p:cSld>
+  <p:clrMapOvr>
+    <a:masterClrMapping/>
+  </p:clrMapOvr>
+  <mc:AlternateContent xmlns:mc="http://schemas.openxmlformats.org/markup-compatibility/2006">
+    <mc:Choice xmlns:p14="http://schemas.microsoft.com/office/powerpoint/2010/main" Requires="p14">
+      <p:transition p14:dur="9">
+        <p14:flip dir="r"/>
+      </p:transition>
+    </mc:Choice>
+    <mc:Fallback>
+      <p:transition>
+        <p:fade/>
+      </p:transition>
+    </mc:Fallback>
+  </mc:AlternateContent>
+  <p:timing>
+    <p:tnLst>
+      <p:par>
+        <p:cTn id="1" dur="indefinite" restart="never" nodeType="tmRoot"/>
+      </p:par>
+    </p:tnLst>
+  </p:timing>
+</p:sld>
+</file>
+
+<file path=ppt/slides/slide20.xml><?xml version="1.0" encoding="utf-8"?>
 <p:sld xmlns:a="http://schemas.openxmlformats.org/drawingml/2006/main" xmlns:r="http://schemas.openxmlformats.org/officeDocument/2006/relationships" xmlns:p="http://schemas.openxmlformats.org/presentationml/2006/main">
   <p:cSld>
     <p:spTree>
@@ -16348,7 +16967,7 @@
 </p:sld>
 </file>
 
-<file path=ppt/slides/slide18.xml><?xml version="1.0" encoding="utf-8"?>
+<file path=ppt/slides/slide21.xml><?xml version="1.0" encoding="utf-8"?>
 <p:sld xmlns:a="http://schemas.openxmlformats.org/drawingml/2006/main" xmlns:r="http://schemas.openxmlformats.org/officeDocument/2006/relationships" xmlns:p="http://schemas.openxmlformats.org/presentationml/2006/main">
   <p:cSld>
     <p:spTree>
@@ -16797,7 +17416,7 @@
 </p:sld>
 </file>
 
-<file path=ppt/slides/slide19.xml><?xml version="1.0" encoding="utf-8"?>
+<file path=ppt/slides/slide22.xml><?xml version="1.0" encoding="utf-8"?>
 <p:sld xmlns:a="http://schemas.openxmlformats.org/drawingml/2006/main" xmlns:r="http://schemas.openxmlformats.org/officeDocument/2006/relationships" xmlns:p="http://schemas.openxmlformats.org/presentationml/2006/main">
   <p:cSld>
     <p:spTree>
@@ -17779,621 +18398,6 @@
       <p:bldP spid="12" grpId="0"/>
       <p:bldP spid="12" grpId="1"/>
     </p:bldLst>
-  </p:timing>
-</p:sld>
-</file>
-
-<file path=ppt/slides/slide2.xml><?xml version="1.0" encoding="utf-8"?>
-<p:sld xmlns:a="http://schemas.openxmlformats.org/drawingml/2006/main" xmlns:r="http://schemas.openxmlformats.org/officeDocument/2006/relationships" xmlns:p="http://schemas.openxmlformats.org/presentationml/2006/main">
-  <p:cSld>
-    <p:spTree>
-      <p:nvGrpSpPr>
-        <p:cNvPr id="1" name=""/>
-        <p:cNvGrpSpPr/>
-        <p:nvPr/>
-      </p:nvGrpSpPr>
-      <p:grpSpPr>
-        <a:xfrm>
-          <a:off x="0" y="0"/>
-          <a:ext cx="0" cy="0"/>
-          <a:chOff x="0" y="0"/>
-          <a:chExt cx="0" cy="0"/>
-        </a:xfrm>
-      </p:grpSpPr>
-      <p:sp>
-        <p:nvSpPr>
-          <p:cNvPr id="65" name="文本占位符 13"/>
-          <p:cNvSpPr txBox="1"/>
-          <p:nvPr/>
-        </p:nvSpPr>
-        <p:spPr>
-          <a:xfrm>
-            <a:off x="381000" y="214630"/>
-            <a:ext cx="2782570" cy="354965"/>
-          </a:xfrm>
-          <a:prstGeom prst="rect">
-            <a:avLst/>
-          </a:prstGeom>
-        </p:spPr>
-        <p:txBody>
-          <a:bodyPr vert="horz"/>
-          <a:lstStyle>
-            <a:lvl1pPr marL="0" indent="0" algn="l" defTabSz="964565" rtl="0" eaLnBrk="1" latinLnBrk="0" hangingPunct="1">
-              <a:lnSpc>
-                <a:spcPct val="100000"/>
-              </a:lnSpc>
-              <a:spcBef>
-                <a:spcPts val="1055"/>
-              </a:spcBef>
-              <a:buFont typeface="Arial" panose="020B0604020202020204" pitchFamily="34" charset="0"/>
-              <a:buNone/>
-              <a:defRPr sz="1685" kern="1200">
-                <a:solidFill>
-                  <a:schemeClr val="tx1"/>
-                </a:solidFill>
-                <a:latin typeface="+mn-lt"/>
-                <a:ea typeface="+mn-ea"/>
-                <a:cs typeface="+mn-cs"/>
-              </a:defRPr>
-            </a:lvl1pPr>
-            <a:lvl2pPr marL="723265" indent="-241300" algn="l" defTabSz="964565" rtl="0" eaLnBrk="1" latinLnBrk="0" hangingPunct="1">
-              <a:lnSpc>
-                <a:spcPct val="90000"/>
-              </a:lnSpc>
-              <a:spcBef>
-                <a:spcPts val="525"/>
-              </a:spcBef>
-              <a:buFont typeface="Arial" panose="020B0604020202020204" pitchFamily="34" charset="0"/>
-              <a:buChar char="•"/>
-              <a:defRPr sz="2530" kern="1200">
-                <a:solidFill>
-                  <a:schemeClr val="tx1"/>
-                </a:solidFill>
-                <a:latin typeface="+mn-lt"/>
-                <a:ea typeface="+mn-ea"/>
-                <a:cs typeface="+mn-cs"/>
-              </a:defRPr>
-            </a:lvl2pPr>
-            <a:lvl3pPr marL="1205230" indent="-241300" algn="l" defTabSz="964565" rtl="0" eaLnBrk="1" latinLnBrk="0" hangingPunct="1">
-              <a:lnSpc>
-                <a:spcPct val="90000"/>
-              </a:lnSpc>
-              <a:spcBef>
-                <a:spcPts val="525"/>
-              </a:spcBef>
-              <a:buFont typeface="Arial" panose="020B0604020202020204" pitchFamily="34" charset="0"/>
-              <a:buChar char="•"/>
-              <a:defRPr sz="2110" kern="1200">
-                <a:solidFill>
-                  <a:schemeClr val="tx1"/>
-                </a:solidFill>
-                <a:latin typeface="+mn-lt"/>
-                <a:ea typeface="+mn-ea"/>
-                <a:cs typeface="+mn-cs"/>
-              </a:defRPr>
-            </a:lvl3pPr>
-            <a:lvl4pPr marL="1687830" indent="-241300" algn="l" defTabSz="964565" rtl="0" eaLnBrk="1" latinLnBrk="0" hangingPunct="1">
-              <a:lnSpc>
-                <a:spcPct val="90000"/>
-              </a:lnSpc>
-              <a:spcBef>
-                <a:spcPts val="525"/>
-              </a:spcBef>
-              <a:buFont typeface="Arial" panose="020B0604020202020204" pitchFamily="34" charset="0"/>
-              <a:buChar char="•"/>
-              <a:defRPr sz="1900" kern="1200">
-                <a:solidFill>
-                  <a:schemeClr val="tx1"/>
-                </a:solidFill>
-                <a:latin typeface="+mn-lt"/>
-                <a:ea typeface="+mn-ea"/>
-                <a:cs typeface="+mn-cs"/>
-              </a:defRPr>
-            </a:lvl4pPr>
-            <a:lvl5pPr marL="2169795" indent="-241300" algn="l" defTabSz="964565" rtl="0" eaLnBrk="1" latinLnBrk="0" hangingPunct="1">
-              <a:lnSpc>
-                <a:spcPct val="90000"/>
-              </a:lnSpc>
-              <a:spcBef>
-                <a:spcPts val="525"/>
-              </a:spcBef>
-              <a:buFont typeface="Arial" panose="020B0604020202020204" pitchFamily="34" charset="0"/>
-              <a:buChar char="•"/>
-              <a:defRPr sz="1900" kern="1200">
-                <a:solidFill>
-                  <a:schemeClr val="tx1"/>
-                </a:solidFill>
-                <a:latin typeface="+mn-lt"/>
-                <a:ea typeface="+mn-ea"/>
-                <a:cs typeface="+mn-cs"/>
-              </a:defRPr>
-            </a:lvl5pPr>
-            <a:lvl6pPr marL="2651760" indent="-241300" algn="l" defTabSz="964565" rtl="0" eaLnBrk="1" latinLnBrk="0" hangingPunct="1">
-              <a:lnSpc>
-                <a:spcPct val="90000"/>
-              </a:lnSpc>
-              <a:spcBef>
-                <a:spcPts val="525"/>
-              </a:spcBef>
-              <a:buFont typeface="Arial" panose="020B0604020202020204" pitchFamily="34" charset="0"/>
-              <a:buChar char="•"/>
-              <a:defRPr sz="1900" kern="1200">
-                <a:solidFill>
-                  <a:schemeClr val="tx1"/>
-                </a:solidFill>
-                <a:latin typeface="+mn-lt"/>
-                <a:ea typeface="+mn-ea"/>
-                <a:cs typeface="+mn-cs"/>
-              </a:defRPr>
-            </a:lvl6pPr>
-            <a:lvl7pPr marL="3134360" indent="-241300" algn="l" defTabSz="964565" rtl="0" eaLnBrk="1" latinLnBrk="0" hangingPunct="1">
-              <a:lnSpc>
-                <a:spcPct val="90000"/>
-              </a:lnSpc>
-              <a:spcBef>
-                <a:spcPts val="525"/>
-              </a:spcBef>
-              <a:buFont typeface="Arial" panose="020B0604020202020204" pitchFamily="34" charset="0"/>
-              <a:buChar char="•"/>
-              <a:defRPr sz="1900" kern="1200">
-                <a:solidFill>
-                  <a:schemeClr val="tx1"/>
-                </a:solidFill>
-                <a:latin typeface="+mn-lt"/>
-                <a:ea typeface="+mn-ea"/>
-                <a:cs typeface="+mn-cs"/>
-              </a:defRPr>
-            </a:lvl7pPr>
-            <a:lvl8pPr marL="3616325" indent="-241300" algn="l" defTabSz="964565" rtl="0" eaLnBrk="1" latinLnBrk="0" hangingPunct="1">
-              <a:lnSpc>
-                <a:spcPct val="90000"/>
-              </a:lnSpc>
-              <a:spcBef>
-                <a:spcPts val="525"/>
-              </a:spcBef>
-              <a:buFont typeface="Arial" panose="020B0604020202020204" pitchFamily="34" charset="0"/>
-              <a:buChar char="•"/>
-              <a:defRPr sz="1900" kern="1200">
-                <a:solidFill>
-                  <a:schemeClr val="tx1"/>
-                </a:solidFill>
-                <a:latin typeface="+mn-lt"/>
-                <a:ea typeface="+mn-ea"/>
-                <a:cs typeface="+mn-cs"/>
-              </a:defRPr>
-            </a:lvl8pPr>
-            <a:lvl9pPr marL="4098290" indent="-241300" algn="l" defTabSz="964565" rtl="0" eaLnBrk="1" latinLnBrk="0" hangingPunct="1">
-              <a:lnSpc>
-                <a:spcPct val="90000"/>
-              </a:lnSpc>
-              <a:spcBef>
-                <a:spcPts val="525"/>
-              </a:spcBef>
-              <a:buFont typeface="Arial" panose="020B0604020202020204" pitchFamily="34" charset="0"/>
-              <a:buChar char="•"/>
-              <a:defRPr sz="1900" kern="1200">
-                <a:solidFill>
-                  <a:schemeClr val="tx1"/>
-                </a:solidFill>
-                <a:latin typeface="+mn-lt"/>
-                <a:ea typeface="+mn-ea"/>
-                <a:cs typeface="+mn-cs"/>
-              </a:defRPr>
-            </a:lvl9pPr>
-          </a:lstStyle>
-          <a:p>
-            <a:r>
-              <a:rPr kumimoji="1" lang="zh-CN" altLang="en-US" sz="1800" dirty="0" smtClean="0">
-                <a:solidFill>
-                  <a:schemeClr val="accent3"/>
-                </a:solidFill>
-                <a:latin typeface="微软雅黑" panose="020B0503020204020204" pitchFamily="34" charset="-122"/>
-                <a:ea typeface="微软雅黑" panose="020B0503020204020204" pitchFamily="34" charset="-122"/>
-              </a:rPr>
-              <a:t>人员组织框架</a:t>
-            </a:r>
-            <a:endParaRPr kumimoji="1" lang="zh-CN" altLang="en-US" sz="1800" dirty="0" smtClean="0">
-              <a:solidFill>
-                <a:schemeClr val="accent3"/>
-              </a:solidFill>
-              <a:latin typeface="微软雅黑" panose="020B0503020204020204" pitchFamily="34" charset="-122"/>
-              <a:ea typeface="微软雅黑" panose="020B0503020204020204" pitchFamily="34" charset="-122"/>
-            </a:endParaRPr>
-          </a:p>
-        </p:txBody>
-      </p:sp>
-      <p:graphicFrame>
-        <p:nvGraphicFramePr>
-          <p:cNvPr id="2" name="表格 1"/>
-          <p:cNvGraphicFramePr/>
-          <p:nvPr/>
-        </p:nvGraphicFramePr>
-        <p:xfrm>
-          <a:off x="1523365" y="2146935"/>
-          <a:ext cx="9094470" cy="3882390"/>
-        </p:xfrm>
-        <a:graphic>
-          <a:graphicData uri="http://schemas.openxmlformats.org/drawingml/2006/table">
-            <a:tbl>
-              <a:tblPr firstRow="1" bandRow="1">
-                <a:tableStyleId>{5C22544A-7EE6-4342-B048-85BDC9FD1C3A}</a:tableStyleId>
-              </a:tblPr>
-              <a:tblGrid>
-                <a:gridCol w="3031490"/>
-                <a:gridCol w="3031490"/>
-                <a:gridCol w="3031490"/>
-              </a:tblGrid>
-              <a:tr h="647065">
-                <a:tc>
-                  <a:txBody>
-                    <a:bodyPr/>
-                    <a:p>
-                      <a:pPr algn="ctr">
-                        <a:buNone/>
-                      </a:pPr>
-                      <a:r>
-                        <a:rPr lang="zh-CN" altLang="en-US"/>
-                        <a:t>成员</a:t>
-                      </a:r>
-                      <a:endParaRPr lang="zh-CN" altLang="en-US"/>
-                    </a:p>
-                  </a:txBody>
-                  <a:tcPr/>
-                </a:tc>
-                <a:tc>
-                  <a:txBody>
-                    <a:bodyPr/>
-                    <a:p>
-                      <a:pPr algn="ctr">
-                        <a:buNone/>
-                      </a:pPr>
-                      <a:r>
-                        <a:rPr lang="zh-CN" altLang="en-US"/>
-                        <a:t>姓名</a:t>
-                      </a:r>
-                      <a:endParaRPr lang="zh-CN" altLang="en-US"/>
-                    </a:p>
-                  </a:txBody>
-                  <a:tcPr/>
-                </a:tc>
-                <a:tc>
-                  <a:txBody>
-                    <a:bodyPr/>
-                    <a:p>
-                      <a:pPr algn="ctr">
-                        <a:buNone/>
-                      </a:pPr>
-                      <a:r>
-                        <a:rPr lang="zh-CN" altLang="en-US"/>
-                        <a:t>任务</a:t>
-                      </a:r>
-                      <a:r>
-                        <a:rPr lang="zh-CN" altLang="en-US"/>
-                        <a:t>分布</a:t>
-                      </a:r>
-                      <a:endParaRPr lang="zh-CN" altLang="en-US"/>
-                    </a:p>
-                  </a:txBody>
-                  <a:tcPr/>
-                </a:tc>
-              </a:tr>
-              <a:tr h="647065">
-                <a:tc>
-                  <a:txBody>
-                    <a:bodyPr/>
-                    <a:p>
-                      <a:pPr algn="ctr">
-                        <a:buNone/>
-                      </a:pPr>
-                      <a:r>
-                        <a:rPr lang="zh-CN" altLang="en-US"/>
-                        <a:t>队长</a:t>
-                      </a:r>
-                      <a:endParaRPr lang="zh-CN" altLang="en-US"/>
-                    </a:p>
-                  </a:txBody>
-                  <a:tcPr/>
-                </a:tc>
-                <a:tc>
-                  <a:txBody>
-                    <a:bodyPr/>
-                    <a:p>
-                      <a:pPr algn="ctr">
-                        <a:buNone/>
-                      </a:pPr>
-                      <a:r>
-                        <a:rPr lang="zh-CN" altLang="en-US"/>
-                        <a:t>文杰</a:t>
-                      </a:r>
-                      <a:endParaRPr lang="zh-CN" altLang="en-US"/>
-                    </a:p>
-                  </a:txBody>
-                  <a:tcPr/>
-                </a:tc>
-                <a:tc>
-                  <a:txBody>
-                    <a:bodyPr/>
-                    <a:p>
-                      <a:pPr algn="ctr">
-                        <a:buNone/>
-                      </a:pPr>
-                      <a:r>
-                        <a:rPr lang="zh-CN" altLang="en-US"/>
-                        <a:t>模型训练、</a:t>
-                      </a:r>
-                      <a:r>
-                        <a:rPr lang="en-US" altLang="zh-CN"/>
-                        <a:t>PPT</a:t>
-                      </a:r>
-                      <a:r>
-                        <a:rPr lang="zh-CN" altLang="en-US"/>
-                        <a:t>制作</a:t>
-                      </a:r>
-                      <a:endParaRPr lang="zh-CN" altLang="en-US"/>
-                    </a:p>
-                  </a:txBody>
-                  <a:tcPr/>
-                </a:tc>
-              </a:tr>
-              <a:tr h="647065">
-                <a:tc>
-                  <a:txBody>
-                    <a:bodyPr/>
-                    <a:p>
-                      <a:pPr algn="ctr">
-                        <a:buNone/>
-                      </a:pPr>
-                      <a:r>
-                        <a:rPr lang="zh-CN" altLang="en-US"/>
-                        <a:t>副队长</a:t>
-                      </a:r>
-                      <a:endParaRPr lang="zh-CN" altLang="en-US"/>
-                    </a:p>
-                  </a:txBody>
-                  <a:tcPr/>
-                </a:tc>
-                <a:tc>
-                  <a:txBody>
-                    <a:bodyPr/>
-                    <a:p>
-                      <a:pPr algn="ctr">
-                        <a:buNone/>
-                      </a:pPr>
-                      <a:r>
-                        <a:rPr lang="zh-CN" altLang="en-US"/>
-                        <a:t>彭巧娟</a:t>
-                      </a:r>
-                      <a:endParaRPr lang="zh-CN" altLang="en-US"/>
-                    </a:p>
-                  </a:txBody>
-                  <a:tcPr/>
-                </a:tc>
-                <a:tc>
-                  <a:txBody>
-                    <a:bodyPr/>
-                    <a:p>
-                      <a:pPr algn="ctr">
-                        <a:buNone/>
-                      </a:pPr>
-                      <a:r>
-                        <a:rPr lang="zh-CN" altLang="en-US"/>
-                        <a:t>概要文档、详细文档编辑</a:t>
-                      </a:r>
-                      <a:endParaRPr lang="zh-CN" altLang="en-US"/>
-                    </a:p>
-                  </a:txBody>
-                  <a:tcPr/>
-                </a:tc>
-              </a:tr>
-              <a:tr h="647065">
-                <a:tc>
-                  <a:txBody>
-                    <a:bodyPr/>
-                    <a:p>
-                      <a:pPr algn="ctr">
-                        <a:buNone/>
-                      </a:pPr>
-                      <a:r>
-                        <a:rPr lang="zh-CN" altLang="en-US"/>
-                        <a:t>队员</a:t>
-                      </a:r>
-                      <a:endParaRPr lang="zh-CN" altLang="en-US"/>
-                    </a:p>
-                  </a:txBody>
-                  <a:tcPr/>
-                </a:tc>
-                <a:tc>
-                  <a:txBody>
-                    <a:bodyPr/>
-                    <a:p>
-                      <a:pPr algn="ctr">
-                        <a:buNone/>
-                      </a:pPr>
-                      <a:r>
-                        <a:rPr lang="zh-CN" altLang="en-US"/>
-                        <a:t>郭飞明</a:t>
-                      </a:r>
-                      <a:endParaRPr lang="zh-CN" altLang="en-US"/>
-                    </a:p>
-                  </a:txBody>
-                  <a:tcPr/>
-                </a:tc>
-                <a:tc>
-                  <a:txBody>
-                    <a:bodyPr/>
-                    <a:p>
-                      <a:pPr algn="ctr">
-                        <a:buNone/>
-                      </a:pPr>
-                      <a:r>
-                        <a:rPr lang="zh-CN" altLang="en-US"/>
-                        <a:t>模型训练、后端代码</a:t>
-                      </a:r>
-                      <a:endParaRPr lang="zh-CN" altLang="en-US"/>
-                    </a:p>
-                  </a:txBody>
-                  <a:tcPr/>
-                </a:tc>
-              </a:tr>
-              <a:tr h="647065">
-                <a:tc>
-                  <a:txBody>
-                    <a:bodyPr/>
-                    <a:p>
-                      <a:pPr algn="ctr">
-                        <a:buNone/>
-                      </a:pPr>
-                      <a:r>
-                        <a:rPr lang="zh-CN" altLang="en-US"/>
-                        <a:t>队员</a:t>
-                      </a:r>
-                      <a:endParaRPr lang="zh-CN" altLang="en-US"/>
-                    </a:p>
-                  </a:txBody>
-                  <a:tcPr/>
-                </a:tc>
-                <a:tc>
-                  <a:txBody>
-                    <a:bodyPr/>
-                    <a:p>
-                      <a:pPr algn="ctr">
-                        <a:buNone/>
-                      </a:pPr>
-                      <a:r>
-                        <a:rPr lang="zh-CN" altLang="en-US"/>
-                        <a:t>张琳琳</a:t>
-                      </a:r>
-                      <a:endParaRPr lang="zh-CN" altLang="en-US"/>
-                    </a:p>
-                  </a:txBody>
-                  <a:tcPr/>
-                </a:tc>
-                <a:tc>
-                  <a:txBody>
-                    <a:bodyPr/>
-                    <a:p>
-                      <a:pPr algn="ctr">
-                        <a:buNone/>
-                      </a:pPr>
-                      <a:r>
-                        <a:rPr lang="en-US" altLang="zh-CN"/>
-                        <a:t>web端</a:t>
-                      </a:r>
-                      <a:r>
-                        <a:rPr lang="zh-CN" altLang="en-US"/>
-                        <a:t>数据</a:t>
-                      </a:r>
-                      <a:r>
-                        <a:rPr lang="en-US" altLang="zh-CN"/>
-                        <a:t>可视化</a:t>
-                      </a:r>
-                      <a:endParaRPr lang="en-US" altLang="zh-CN"/>
-                    </a:p>
-                  </a:txBody>
-                  <a:tcPr/>
-                </a:tc>
-              </a:tr>
-              <a:tr h="647065">
-                <a:tc>
-                  <a:txBody>
-                    <a:bodyPr/>
-                    <a:p>
-                      <a:pPr algn="ctr">
-                        <a:buNone/>
-                      </a:pPr>
-                      <a:r>
-                        <a:rPr lang="zh-CN" altLang="en-US"/>
-                        <a:t>队员</a:t>
-                      </a:r>
-                      <a:endParaRPr lang="zh-CN" altLang="en-US"/>
-                    </a:p>
-                  </a:txBody>
-                  <a:tcPr/>
-                </a:tc>
-                <a:tc>
-                  <a:txBody>
-                    <a:bodyPr/>
-                    <a:p>
-                      <a:pPr algn="ctr">
-                        <a:buNone/>
-                      </a:pPr>
-                      <a:r>
-                        <a:rPr lang="zh-CN" altLang="en-US"/>
-                        <a:t>喻芹</a:t>
-                      </a:r>
-                      <a:endParaRPr lang="zh-CN" altLang="en-US"/>
-                    </a:p>
-                  </a:txBody>
-                  <a:tcPr/>
-                </a:tc>
-                <a:tc>
-                  <a:txBody>
-                    <a:bodyPr/>
-                    <a:p>
-                      <a:pPr algn="ctr">
-                        <a:buNone/>
-                      </a:pPr>
-                      <a:r>
-                        <a:rPr lang="zh-CN" altLang="en-US"/>
-                        <a:t>项目演示视频制作</a:t>
-                      </a:r>
-                      <a:endParaRPr lang="zh-CN" altLang="en-US"/>
-                    </a:p>
-                  </a:txBody>
-                  <a:tcPr/>
-                </a:tc>
-              </a:tr>
-            </a:tbl>
-          </a:graphicData>
-        </a:graphic>
-      </p:graphicFrame>
-      <p:pic>
-        <p:nvPicPr>
-          <p:cNvPr id="7" name="图片 6" descr="u=703340956,925981140&amp;fm=26&amp;gp=0"/>
-          <p:cNvPicPr>
-            <a:picLocks noChangeAspect="1"/>
-          </p:cNvPicPr>
-          <p:nvPr/>
-        </p:nvPicPr>
-        <p:blipFill>
-          <a:blip r:embed="rId1"/>
-          <a:stretch>
-            <a:fillRect/>
-          </a:stretch>
-        </p:blipFill>
-        <p:spPr>
-          <a:xfrm>
-            <a:off x="10244455" y="12065"/>
-            <a:ext cx="2588260" cy="2041525"/>
-          </a:xfrm>
-          <a:prstGeom prst="rect">
-            <a:avLst/>
-          </a:prstGeom>
-        </p:spPr>
-      </p:pic>
-    </p:spTree>
-  </p:cSld>
-  <p:clrMapOvr>
-    <a:masterClrMapping/>
-  </p:clrMapOvr>
-  <mc:AlternateContent xmlns:mc="http://schemas.openxmlformats.org/markup-compatibility/2006">
-    <mc:Choice xmlns:p14="http://schemas.microsoft.com/office/powerpoint/2010/main" Requires="p14">
-      <p:transition p14:dur="9">
-        <p14:flip dir="r"/>
-      </p:transition>
-    </mc:Choice>
-    <mc:Fallback>
-      <p:transition>
-        <p:fade/>
-      </p:transition>
-    </mc:Fallback>
-  </mc:AlternateContent>
-  <p:timing>
-    <p:tnLst>
-      <p:par>
-        <p:cTn id="1" dur="indefinite" restart="never" nodeType="tmRoot"/>
-      </p:par>
-    </p:tnLst>
   </p:timing>
 </p:sld>
 </file>
@@ -28167,9 +28171,112 @@
           </a:p>
         </p:txBody>
       </p:sp>
+      <p:sp>
+        <p:nvSpPr>
+          <p:cNvPr id="10" name="文本框 9"/>
+          <p:cNvSpPr txBox="1"/>
+          <p:nvPr/>
+        </p:nvSpPr>
+        <p:spPr>
+          <a:xfrm>
+            <a:off x="1136650" y="3175635"/>
+            <a:ext cx="6556375" cy="3138170"/>
+          </a:xfrm>
+          <a:prstGeom prst="rect">
+            <a:avLst/>
+          </a:prstGeom>
+          <a:noFill/>
+        </p:spPr>
+        <p:txBody>
+          <a:bodyPr wrap="square" rtlCol="0" anchor="t">
+            <a:spAutoFit/>
+          </a:bodyPr>
+          <a:p>
+            <a:pPr marL="0" indent="304800"/>
+            <a:r>
+              <a:rPr lang="en-US" altLang="zh-CN" b="1" dirty="0">
+                <a:latin typeface="幼圆" panose="02010509060101010101" charset="-122"/>
+                <a:ea typeface="幼圆" panose="02010509060101010101" charset="-122"/>
+                <a:sym typeface="+mn-ea"/>
+              </a:rPr>
+              <a:t> </a:t>
+            </a:r>
+            <a:r>
+              <a:rPr lang="zh-CN" altLang="en-US" b="1" dirty="0">
+                <a:latin typeface="幼圆" panose="02010509060101010101" charset="-122"/>
+                <a:ea typeface="幼圆" panose="02010509060101010101" charset="-122"/>
+                <a:sym typeface="+mn-ea"/>
+              </a:rPr>
+              <a:t>文本分类模型，可以大体上分为基于传统机器学习的文本分类模型和基于深度学习的分类模型。从上图中我们也可以看到，深度学习不需要人工提取特征，自动提取初级特征并组合为高级特征。</a:t>
+            </a:r>
+            <a:endParaRPr lang="zh-CN" altLang="en-US" b="1" dirty="0">
+              <a:latin typeface="幼圆" panose="02010509060101010101" charset="-122"/>
+              <a:ea typeface="幼圆" panose="02010509060101010101" charset="-122"/>
+              <a:sym typeface="+mn-ea"/>
+            </a:endParaRPr>
+          </a:p>
+          <a:p>
+            <a:pPr marL="0" indent="304800"/>
+            <a:endParaRPr lang="zh-CN" altLang="en-US" b="1" dirty="0">
+              <a:latin typeface="幼圆" panose="02010509060101010101" charset="-122"/>
+              <a:ea typeface="幼圆" panose="02010509060101010101" charset="-122"/>
+              <a:sym typeface="+mn-ea"/>
+            </a:endParaRPr>
+          </a:p>
+          <a:p>
+            <a:pPr marL="0" indent="304800"/>
+            <a:r>
+              <a:rPr lang="zh-CN" altLang="en-US" b="1" dirty="0">
+                <a:solidFill>
+                  <a:srgbClr val="FF0000"/>
+                </a:solidFill>
+                <a:latin typeface="幼圆" panose="02010509060101010101" charset="-122"/>
+                <a:ea typeface="幼圆" panose="02010509060101010101" charset="-122"/>
+                <a:sym typeface="+mn-ea"/>
+              </a:rPr>
+              <a:t> 目前基于深度学习模型的文本分类模型已经成为了主流</a:t>
+            </a:r>
+            <a:r>
+              <a:rPr lang="zh-CN" altLang="en-US" b="1" dirty="0">
+                <a:latin typeface="幼圆" panose="02010509060101010101" charset="-122"/>
+                <a:ea typeface="幼圆" panose="02010509060101010101" charset="-122"/>
+                <a:sym typeface="+mn-ea"/>
+              </a:rPr>
+              <a:t>。</a:t>
+            </a:r>
+            <a:endParaRPr lang="zh-CN" altLang="en-US" b="1" dirty="0">
+              <a:latin typeface="幼圆" panose="02010509060101010101" charset="-122"/>
+              <a:ea typeface="幼圆" panose="02010509060101010101" charset="-122"/>
+              <a:sym typeface="+mn-ea"/>
+            </a:endParaRPr>
+          </a:p>
+          <a:p>
+            <a:pPr marL="0" indent="304800"/>
+            <a:endParaRPr lang="zh-CN" altLang="en-US" b="1" dirty="0">
+              <a:latin typeface="幼圆" panose="02010509060101010101" charset="-122"/>
+              <a:ea typeface="幼圆" panose="02010509060101010101" charset="-122"/>
+              <a:sym typeface="+mn-ea"/>
+            </a:endParaRPr>
+          </a:p>
+          <a:p>
+            <a:pPr marL="0" indent="304800"/>
+            <a:r>
+              <a:rPr lang="zh-CN" altLang="en-US" sz="1800" b="1" dirty="0">
+                <a:latin typeface="幼圆" panose="02010509060101010101" charset="-122"/>
+                <a:ea typeface="幼圆" panose="02010509060101010101" charset="-122"/>
+              </a:rPr>
+              <a:t> 目前实现文本分类技术的模型有很多，比如说fastText、TextCNN、TextRNN等，这些技术在我们的社会生活当中已经有了广泛的应用，并且很多实现文本分类的方法在网上均有开源的框架和代码供大家参考学习，因此本项目有很好的技术支持。</a:t>
+            </a:r>
+            <a:endParaRPr lang="zh-CN" altLang="en-US" sz="1800" b="1" dirty="0">
+              <a:latin typeface="幼圆" panose="02010509060101010101" charset="-122"/>
+              <a:ea typeface="幼圆" panose="02010509060101010101" charset="-122"/>
+            </a:endParaRPr>
+          </a:p>
+        </p:txBody>
+      </p:sp>
       <p:pic>
         <p:nvPicPr>
-          <p:cNvPr id="16" name="图片 15" descr="timg (1)"/>
+          <p:cNvPr id="4" name="图片 3"/>
           <p:cNvPicPr>
             <a:picLocks noChangeAspect="1"/>
           </p:cNvPicPr>
@@ -28183,7 +28290,31 @@
         </p:blipFill>
         <p:spPr>
           <a:xfrm>
-            <a:off x="10292080" y="-2540"/>
+            <a:off x="8244205" y="3015615"/>
+            <a:ext cx="2466975" cy="3152775"/>
+          </a:xfrm>
+          <a:prstGeom prst="rect">
+            <a:avLst/>
+          </a:prstGeom>
+        </p:spPr>
+      </p:pic>
+      <p:pic>
+        <p:nvPicPr>
+          <p:cNvPr id="2" name="图片 1" descr="timg (1)"/>
+          <p:cNvPicPr>
+            <a:picLocks noChangeAspect="1"/>
+          </p:cNvPicPr>
+          <p:nvPr/>
+        </p:nvPicPr>
+        <p:blipFill>
+          <a:blip r:embed="rId2"/>
+          <a:stretch>
+            <a:fillRect/>
+          </a:stretch>
+        </p:blipFill>
+        <p:spPr>
+          <a:xfrm>
+            <a:off x="10292080" y="-17145"/>
             <a:ext cx="2583815" cy="1938020"/>
           </a:xfrm>
           <a:prstGeom prst="rect">
@@ -28604,133 +28735,6 @@
           </a:graphicData>
         </a:graphic>
       </p:graphicFrame>
-      <p:sp>
-        <p:nvSpPr>
-          <p:cNvPr id="10" name="文本框 9"/>
-          <p:cNvSpPr txBox="1"/>
-          <p:nvPr/>
-        </p:nvSpPr>
-        <p:spPr>
-          <a:xfrm>
-            <a:off x="1136650" y="3175635"/>
-            <a:ext cx="6556375" cy="3138170"/>
-          </a:xfrm>
-          <a:prstGeom prst="rect">
-            <a:avLst/>
-          </a:prstGeom>
-          <a:noFill/>
-        </p:spPr>
-        <p:txBody>
-          <a:bodyPr wrap="square" rtlCol="0" anchor="t">
-            <a:spAutoFit/>
-          </a:bodyPr>
-          <a:p>
-            <a:pPr marL="0" indent="304800"/>
-            <a:r>
-              <a:rPr lang="en-US" altLang="zh-CN" b="1" dirty="0">
-                <a:latin typeface="幼圆" panose="02010509060101010101" charset="-122"/>
-                <a:ea typeface="幼圆" panose="02010509060101010101" charset="-122"/>
-                <a:sym typeface="+mn-ea"/>
-              </a:rPr>
-              <a:t> </a:t>
-            </a:r>
-            <a:r>
-              <a:rPr lang="zh-CN" altLang="en-US" b="1" dirty="0">
-                <a:latin typeface="幼圆" panose="02010509060101010101" charset="-122"/>
-                <a:ea typeface="幼圆" panose="02010509060101010101" charset="-122"/>
-                <a:sym typeface="+mn-ea"/>
-              </a:rPr>
-              <a:t>文本分类模型，可以大体上分为基于传统机器学习的文本分类模型和基于深度学习的分类模型。从上图中我们也可以看到，深度学习不需要人工提取特征，自动提取初级特征并组合为高级特征。</a:t>
-            </a:r>
-            <a:endParaRPr lang="zh-CN" altLang="en-US" b="1" dirty="0">
-              <a:latin typeface="幼圆" panose="02010509060101010101" charset="-122"/>
-              <a:ea typeface="幼圆" panose="02010509060101010101" charset="-122"/>
-              <a:sym typeface="+mn-ea"/>
-            </a:endParaRPr>
-          </a:p>
-          <a:p>
-            <a:pPr marL="0" indent="304800"/>
-            <a:endParaRPr lang="zh-CN" altLang="en-US" b="1" dirty="0">
-              <a:latin typeface="幼圆" panose="02010509060101010101" charset="-122"/>
-              <a:ea typeface="幼圆" panose="02010509060101010101" charset="-122"/>
-              <a:sym typeface="+mn-ea"/>
-            </a:endParaRPr>
-          </a:p>
-          <a:p>
-            <a:pPr marL="0" indent="304800"/>
-            <a:r>
-              <a:rPr lang="zh-CN" altLang="en-US" b="1" dirty="0">
-                <a:solidFill>
-                  <a:srgbClr val="FF0000"/>
-                </a:solidFill>
-                <a:latin typeface="幼圆" panose="02010509060101010101" charset="-122"/>
-                <a:ea typeface="幼圆" panose="02010509060101010101" charset="-122"/>
-                <a:sym typeface="+mn-ea"/>
-              </a:rPr>
-              <a:t> 目前基于深度学习模型的文本分类模型已经成为了主流</a:t>
-            </a:r>
-            <a:r>
-              <a:rPr lang="zh-CN" altLang="en-US" b="1" dirty="0">
-                <a:latin typeface="幼圆" panose="02010509060101010101" charset="-122"/>
-                <a:ea typeface="幼圆" panose="02010509060101010101" charset="-122"/>
-                <a:sym typeface="+mn-ea"/>
-              </a:rPr>
-              <a:t>。</a:t>
-            </a:r>
-            <a:endParaRPr lang="zh-CN" altLang="en-US" b="1" dirty="0">
-              <a:latin typeface="幼圆" panose="02010509060101010101" charset="-122"/>
-              <a:ea typeface="幼圆" panose="02010509060101010101" charset="-122"/>
-              <a:sym typeface="+mn-ea"/>
-            </a:endParaRPr>
-          </a:p>
-          <a:p>
-            <a:pPr marL="0" indent="304800"/>
-            <a:endParaRPr lang="zh-CN" altLang="en-US" b="1" dirty="0">
-              <a:latin typeface="幼圆" panose="02010509060101010101" charset="-122"/>
-              <a:ea typeface="幼圆" panose="02010509060101010101" charset="-122"/>
-              <a:sym typeface="+mn-ea"/>
-            </a:endParaRPr>
-          </a:p>
-          <a:p>
-            <a:pPr marL="0" indent="304800"/>
-            <a:r>
-              <a:rPr lang="zh-CN" altLang="en-US" sz="1800" b="1" dirty="0">
-                <a:latin typeface="幼圆" panose="02010509060101010101" charset="-122"/>
-                <a:ea typeface="幼圆" panose="02010509060101010101" charset="-122"/>
-              </a:rPr>
-              <a:t> 目前实现文本分类技术的模型有很多，比如说fastText、TextCNN、TextRNN等，这些技术在我们的社会生活当中已经有了广泛的应用，并且很多实现文本分类的方法在网上均有开源的框架和代码供大家参考学习，因此本项目有很好的技术支持。</a:t>
-            </a:r>
-            <a:endParaRPr lang="zh-CN" altLang="en-US" sz="1800" b="1" dirty="0">
-              <a:latin typeface="幼圆" panose="02010509060101010101" charset="-122"/>
-              <a:ea typeface="幼圆" panose="02010509060101010101" charset="-122"/>
-            </a:endParaRPr>
-          </a:p>
-        </p:txBody>
-      </p:sp>
-      <p:pic>
-        <p:nvPicPr>
-          <p:cNvPr id="4" name="图片 3"/>
-          <p:cNvPicPr>
-            <a:picLocks noChangeAspect="1"/>
-          </p:cNvPicPr>
-          <p:nvPr/>
-        </p:nvPicPr>
-        <p:blipFill>
-          <a:blip r:embed="rId2"/>
-          <a:stretch>
-            <a:fillRect/>
-          </a:stretch>
-        </p:blipFill>
-        <p:spPr>
-          <a:xfrm>
-            <a:off x="8244205" y="3015615"/>
-            <a:ext cx="2466975" cy="3152775"/>
-          </a:xfrm>
-          <a:prstGeom prst="rect">
-            <a:avLst/>
-          </a:prstGeom>
-        </p:spPr>
-      </p:pic>
     </p:spTree>
   </p:cSld>
   <p:clrMapOvr>
@@ -28751,7 +28755,86 @@
   <p:timing>
     <p:tnLst>
       <p:par>
-        <p:cTn id="1" dur="indefinite" restart="never" nodeType="tmRoot"/>
+        <p:cTn id="1" dur="indefinite" restart="never" nodeType="tmRoot">
+          <p:childTnLst>
+            <p:seq concurrent="1" nextAc="seek">
+              <p:cTn id="2" dur="indefinite" nodeType="mainSeq">
+                <p:childTnLst>
+                  <p:par>
+                    <p:cTn id="3" fill="hold">
+                      <p:stCondLst>
+                        <p:cond delay="indefinite"/>
+                        <p:cond evt="onBegin" delay="0">
+                          <p:tn val="2"/>
+                        </p:cond>
+                      </p:stCondLst>
+                      <p:childTnLst>
+                        <p:par>
+                          <p:cTn id="4" fill="hold">
+                            <p:stCondLst>
+                              <p:cond delay="0"/>
+                            </p:stCondLst>
+                            <p:childTnLst>
+                              <p:par>
+                                <p:cTn id="5" presetID="3" presetClass="entr" presetSubtype="10" fill="hold" nodeType="withEffect">
+                                  <p:stCondLst>
+                                    <p:cond delay="0"/>
+                                  </p:stCondLst>
+                                  <p:childTnLst>
+                                    <p:set>
+                                      <p:cBhvr>
+                                        <p:cTn id="6" dur="1" fill="hold">
+                                          <p:stCondLst>
+                                            <p:cond delay="0"/>
+                                          </p:stCondLst>
+                                        </p:cTn>
+                                        <p:tgtEl>
+                                          <p:spTgt spid="2"/>
+                                        </p:tgtEl>
+                                        <p:attrNameLst>
+                                          <p:attrName>style.visibility</p:attrName>
+                                        </p:attrNameLst>
+                                      </p:cBhvr>
+                                      <p:to>
+                                        <p:strVal val="visible"/>
+                                      </p:to>
+                                    </p:set>
+                                    <p:animEffect transition="in" filter="blinds(horizontal)">
+                                      <p:cBhvr>
+                                        <p:cTn id="7" dur="500"/>
+                                        <p:tgtEl>
+                                          <p:spTgt spid="2"/>
+                                        </p:tgtEl>
+                                      </p:cBhvr>
+                                    </p:animEffect>
+                                  </p:childTnLst>
+                                </p:cTn>
+                              </p:par>
+                            </p:childTnLst>
+                          </p:cTn>
+                        </p:par>
+                      </p:childTnLst>
+                    </p:cTn>
+                  </p:par>
+                </p:childTnLst>
+              </p:cTn>
+              <p:prevCondLst>
+                <p:cond evt="onPrev" delay="0">
+                  <p:tgtEl>
+                    <p:sldTgt/>
+                  </p:tgtEl>
+                </p:cond>
+              </p:prevCondLst>
+              <p:nextCondLst>
+                <p:cond evt="onNext" delay="0">
+                  <p:tgtEl>
+                    <p:sldTgt/>
+                  </p:tgtEl>
+                </p:cond>
+              </p:nextCondLst>
+            </p:seq>
+          </p:childTnLst>
+        </p:cTn>
       </p:par>
     </p:tnLst>
   </p:timing>
@@ -29235,7 +29318,7 @@
       </p:pic>
       <p:pic>
         <p:nvPicPr>
-          <p:cNvPr id="16" name="图片 15" descr="timg (1)"/>
+          <p:cNvPr id="3" name="图片 2" descr="timg (1)"/>
           <p:cNvPicPr>
             <a:picLocks noChangeAspect="1"/>
           </p:cNvPicPr>
@@ -29249,7 +29332,7 @@
         </p:blipFill>
         <p:spPr>
           <a:xfrm>
-            <a:off x="10292080" y="-2540"/>
+            <a:off x="10292080" y="-17145"/>
             <a:ext cx="2583815" cy="1938020"/>
           </a:xfrm>
           <a:prstGeom prst="rect">
@@ -29286,6 +29369,9 @@
                     <p:cTn id="3" fill="hold">
                       <p:stCondLst>
                         <p:cond delay="indefinite"/>
+                        <p:cond evt="onBegin" delay="0">
+                          <p:tn val="2"/>
+                        </p:cond>
                       </p:stCondLst>
                       <p:childTnLst>
                         <p:par>
@@ -29295,7 +29381,7 @@
                             </p:stCondLst>
                             <p:childTnLst>
                               <p:par>
-                                <p:cTn id="5" presetID="3" presetClass="entr" presetSubtype="10" fill="hold" nodeType="clickEffect">
+                                <p:cTn id="5" presetID="3" presetClass="entr" presetSubtype="10" fill="hold" nodeType="withEffect">
                                   <p:stCondLst>
                                     <p:cond delay="0"/>
                                   </p:stCondLst>
@@ -29308,7 +29394,7 @@
                                           </p:stCondLst>
                                         </p:cTn>
                                         <p:tgtEl>
-                                          <p:spTgt spid="14"/>
+                                          <p:spTgt spid="3"/>
                                         </p:tgtEl>
                                         <p:attrNameLst>
                                           <p:attrName>style.visibility</p:attrName>
@@ -29322,7 +29408,7 @@
                                       <p:cBhvr>
                                         <p:cTn id="7" dur="500"/>
                                         <p:tgtEl>
-                                          <p:spTgt spid="14"/>
+                                          <p:spTgt spid="3"/>
                                         </p:tgtEl>
                                       </p:cBhvr>
                                     </p:animEffect>
@@ -29348,13 +29434,10 @@
                             </p:stCondLst>
                             <p:childTnLst>
                               <p:par>
-                                <p:cTn id="10" presetID="41" presetClass="entr" presetSubtype="0" fill="hold" grpId="0" nodeType="clickEffect">
+                                <p:cTn id="10" presetID="3" presetClass="entr" presetSubtype="10" fill="hold" nodeType="clickEffect">
                                   <p:stCondLst>
                                     <p:cond delay="0"/>
                                   </p:stCondLst>
-                                  <p:iterate type="lt">
-                                    <p:tmPct val="10000"/>
-                                  </p:iterate>
                                   <p:childTnLst>
                                     <p:set>
                                       <p:cBhvr>
@@ -29364,7 +29447,7 @@
                                           </p:stCondLst>
                                         </p:cTn>
                                         <p:tgtEl>
-                                          <p:spTgt spid="4"/>
+                                          <p:spTgt spid="14"/>
                                         </p:tgtEl>
                                         <p:attrNameLst>
                                           <p:attrName>style.visibility</p:attrName>
@@ -29374,118 +29457,11 @@
                                         <p:strVal val="visible"/>
                                       </p:to>
                                     </p:set>
-                                    <p:anim calcmode="lin" valueType="num">
-                                      <p:cBhvr>
-                                        <p:cTn id="12" dur="500" fill="hold"/>
-                                        <p:tgtEl>
-                                          <p:spTgt spid="4"/>
-                                        </p:tgtEl>
-                                        <p:attrNameLst>
-                                          <p:attrName>ppt_x</p:attrName>
-                                        </p:attrNameLst>
-                                      </p:cBhvr>
-                                      <p:tavLst>
-                                        <p:tav tm="0">
-                                          <p:val>
-                                            <p:strVal val="#ppt_x"/>
-                                          </p:val>
-                                        </p:tav>
-                                        <p:tav tm="50000">
-                                          <p:val>
-                                            <p:strVal val="#ppt_x+.1"/>
-                                          </p:val>
-                                        </p:tav>
-                                        <p:tav tm="100000">
-                                          <p:val>
-                                            <p:strVal val="#ppt_x"/>
-                                          </p:val>
-                                        </p:tav>
-                                      </p:tavLst>
-                                    </p:anim>
-                                    <p:anim calcmode="lin" valueType="num">
-                                      <p:cBhvr>
-                                        <p:cTn id="13" dur="500" fill="hold"/>
-                                        <p:tgtEl>
-                                          <p:spTgt spid="4"/>
-                                        </p:tgtEl>
-                                        <p:attrNameLst>
-                                          <p:attrName>ppt_y</p:attrName>
-                                        </p:attrNameLst>
-                                      </p:cBhvr>
-                                      <p:tavLst>
-                                        <p:tav tm="0">
-                                          <p:val>
-                                            <p:strVal val="#ppt_y"/>
-                                          </p:val>
-                                        </p:tav>
-                                        <p:tav tm="100000">
-                                          <p:val>
-                                            <p:strVal val="#ppt_y"/>
-                                          </p:val>
-                                        </p:tav>
-                                      </p:tavLst>
-                                    </p:anim>
-                                    <p:anim calcmode="lin" valueType="num">
-                                      <p:cBhvr>
-                                        <p:cTn id="14" dur="500" fill="hold"/>
-                                        <p:tgtEl>
-                                          <p:spTgt spid="4"/>
-                                        </p:tgtEl>
-                                        <p:attrNameLst>
-                                          <p:attrName>ppt_h</p:attrName>
-                                        </p:attrNameLst>
-                                      </p:cBhvr>
-                                      <p:tavLst>
-                                        <p:tav tm="0">
-                                          <p:val>
-                                            <p:strVal val="#ppt_h/10"/>
-                                          </p:val>
-                                        </p:tav>
-                                        <p:tav tm="50000">
-                                          <p:val>
-                                            <p:strVal val="#ppt_h+.01"/>
-                                          </p:val>
-                                        </p:tav>
-                                        <p:tav tm="100000">
-                                          <p:val>
-                                            <p:strVal val="#ppt_h"/>
-                                          </p:val>
-                                        </p:tav>
-                                      </p:tavLst>
-                                    </p:anim>
-                                    <p:anim calcmode="lin" valueType="num">
-                                      <p:cBhvr>
-                                        <p:cTn id="15" dur="500" fill="hold"/>
-                                        <p:tgtEl>
-                                          <p:spTgt spid="4"/>
-                                        </p:tgtEl>
-                                        <p:attrNameLst>
-                                          <p:attrName>ppt_w</p:attrName>
-                                        </p:attrNameLst>
-                                      </p:cBhvr>
-                                      <p:tavLst>
-                                        <p:tav tm="0">
-                                          <p:val>
-                                            <p:strVal val="#ppt_w/10"/>
-                                          </p:val>
-                                        </p:tav>
-                                        <p:tav tm="50000">
-                                          <p:val>
-                                            <p:strVal val="#ppt_w+.01"/>
-                                          </p:val>
-                                        </p:tav>
-                                        <p:tav tm="100000">
-                                          <p:val>
-                                            <p:strVal val="#ppt_w"/>
-                                          </p:val>
-                                        </p:tav>
-                                      </p:tavLst>
-                                    </p:anim>
-                                    <p:animEffect transition="in" filter="fade">
-                                      <p:cBhvr>
-                                        <p:cTn id="16" dur="500" tmFilter="0,0; .5, 1; 1, 1"/>
-                                        <p:tgtEl>
-                                          <p:spTgt spid="4"/>
+                                    <p:animEffect transition="in" filter="blinds(horizontal)">
+                                      <p:cBhvr>
+                                        <p:cTn id="12" dur="500"/>
+                                        <p:tgtEl>
+                                          <p:spTgt spid="14"/>
                                         </p:tgtEl>
                                       </p:cBhvr>
                                     </p:animEffect>
@@ -29499,19 +29475,19 @@
                     </p:cTn>
                   </p:par>
                   <p:par>
-                    <p:cTn id="17" fill="hold">
+                    <p:cTn id="13" fill="hold">
                       <p:stCondLst>
                         <p:cond delay="indefinite"/>
                       </p:stCondLst>
                       <p:childTnLst>
                         <p:par>
-                          <p:cTn id="18" fill="hold">
+                          <p:cTn id="14" fill="hold">
                             <p:stCondLst>
                               <p:cond delay="0"/>
                             </p:stCondLst>
                             <p:childTnLst>
                               <p:par>
-                                <p:cTn id="19" presetID="41" presetClass="entr" presetSubtype="0" fill="hold" grpId="0" nodeType="clickEffect">
+                                <p:cTn id="15" presetID="41" presetClass="entr" presetSubtype="0" fill="hold" grpId="0" nodeType="clickEffect">
                                   <p:stCondLst>
                                     <p:cond delay="0"/>
                                   </p:stCondLst>
@@ -29521,13 +29497,13 @@
                                   <p:childTnLst>
                                     <p:set>
                                       <p:cBhvr>
-                                        <p:cTn id="20" dur="1" fill="hold">
+                                        <p:cTn id="16" dur="1" fill="hold">
                                           <p:stCondLst>
                                             <p:cond delay="0"/>
                                           </p:stCondLst>
                                         </p:cTn>
                                         <p:tgtEl>
-                                          <p:spTgt spid="5"/>
+                                          <p:spTgt spid="4"/>
                                         </p:tgtEl>
                                         <p:attrNameLst>
                                           <p:attrName>style.visibility</p:attrName>
@@ -29539,9 +29515,9 @@
                                     </p:set>
                                     <p:anim calcmode="lin" valueType="num">
                                       <p:cBhvr>
-                                        <p:cTn id="21" dur="500" fill="hold"/>
-                                        <p:tgtEl>
-                                          <p:spTgt spid="5"/>
+                                        <p:cTn id="17" dur="500" fill="hold"/>
+                                        <p:tgtEl>
+                                          <p:spTgt spid="4"/>
                                         </p:tgtEl>
                                         <p:attrNameLst>
                                           <p:attrName>ppt_x</p:attrName>
@@ -29567,9 +29543,9 @@
                                     </p:anim>
                                     <p:anim calcmode="lin" valueType="num">
                                       <p:cBhvr>
-                                        <p:cTn id="22" dur="500" fill="hold"/>
-                                        <p:tgtEl>
-                                          <p:spTgt spid="5"/>
+                                        <p:cTn id="18" dur="500" fill="hold"/>
+                                        <p:tgtEl>
+                                          <p:spTgt spid="4"/>
                                         </p:tgtEl>
                                         <p:attrNameLst>
                                           <p:attrName>ppt_y</p:attrName>
@@ -29590,9 +29566,9 @@
                                     </p:anim>
                                     <p:anim calcmode="lin" valueType="num">
                                       <p:cBhvr>
-                                        <p:cTn id="23" dur="500" fill="hold"/>
-                                        <p:tgtEl>
-                                          <p:spTgt spid="5"/>
+                                        <p:cTn id="19" dur="500" fill="hold"/>
+                                        <p:tgtEl>
+                                          <p:spTgt spid="4"/>
                                         </p:tgtEl>
                                         <p:attrNameLst>
                                           <p:attrName>ppt_h</p:attrName>
@@ -29618,9 +29594,9 @@
                                     </p:anim>
                                     <p:anim calcmode="lin" valueType="num">
                                       <p:cBhvr>
-                                        <p:cTn id="24" dur="500" fill="hold"/>
-                                        <p:tgtEl>
-                                          <p:spTgt spid="5"/>
+                                        <p:cTn id="20" dur="500" fill="hold"/>
+                                        <p:tgtEl>
+                                          <p:spTgt spid="4"/>
                                         </p:tgtEl>
                                         <p:attrNameLst>
                                           <p:attrName>ppt_w</p:attrName>
@@ -29646,9 +29622,9 @@
                                     </p:anim>
                                     <p:animEffect transition="in" filter="fade">
                                       <p:cBhvr>
-                                        <p:cTn id="25" dur="500" tmFilter="0,0; .5, 1; 1, 1"/>
-                                        <p:tgtEl>
-                                          <p:spTgt spid="5"/>
+                                        <p:cTn id="21" dur="500" tmFilter="0,0; .5, 1; 1, 1"/>
+                                        <p:tgtEl>
+                                          <p:spTgt spid="4"/>
                                         </p:tgtEl>
                                       </p:cBhvr>
                                     </p:animEffect>
@@ -29662,19 +29638,19 @@
                     </p:cTn>
                   </p:par>
                   <p:par>
-                    <p:cTn id="26" fill="hold">
+                    <p:cTn id="22" fill="hold">
                       <p:stCondLst>
                         <p:cond delay="indefinite"/>
                       </p:stCondLst>
                       <p:childTnLst>
                         <p:par>
-                          <p:cTn id="27" fill="hold">
+                          <p:cTn id="23" fill="hold">
                             <p:stCondLst>
                               <p:cond delay="0"/>
                             </p:stCondLst>
                             <p:childTnLst>
                               <p:par>
-                                <p:cTn id="28" presetID="41" presetClass="entr" presetSubtype="0" fill="hold" grpId="0" nodeType="clickEffect">
+                                <p:cTn id="24" presetID="41" presetClass="entr" presetSubtype="0" fill="hold" grpId="0" nodeType="clickEffect">
                                   <p:stCondLst>
                                     <p:cond delay="0"/>
                                   </p:stCondLst>
@@ -29684,13 +29660,13 @@
                                   <p:childTnLst>
                                     <p:set>
                                       <p:cBhvr>
-                                        <p:cTn id="29" dur="1" fill="hold">
+                                        <p:cTn id="25" dur="1" fill="hold">
                                           <p:stCondLst>
                                             <p:cond delay="0"/>
                                           </p:stCondLst>
                                         </p:cTn>
                                         <p:tgtEl>
-                                          <p:spTgt spid="6"/>
+                                          <p:spTgt spid="5"/>
                                         </p:tgtEl>
                                         <p:attrNameLst>
                                           <p:attrName>style.visibility</p:attrName>
@@ -29702,9 +29678,9 @@
                                     </p:set>
                                     <p:anim calcmode="lin" valueType="num">
                                       <p:cBhvr>
-                                        <p:cTn id="30" dur="500" fill="hold"/>
-                                        <p:tgtEl>
-                                          <p:spTgt spid="6"/>
+                                        <p:cTn id="26" dur="500" fill="hold"/>
+                                        <p:tgtEl>
+                                          <p:spTgt spid="5"/>
                                         </p:tgtEl>
                                         <p:attrNameLst>
                                           <p:attrName>ppt_x</p:attrName>
@@ -29730,9 +29706,9 @@
                                     </p:anim>
                                     <p:anim calcmode="lin" valueType="num">
                                       <p:cBhvr>
-                                        <p:cTn id="31" dur="500" fill="hold"/>
-                                        <p:tgtEl>
-                                          <p:spTgt spid="6"/>
+                                        <p:cTn id="27" dur="500" fill="hold"/>
+                                        <p:tgtEl>
+                                          <p:spTgt spid="5"/>
                                         </p:tgtEl>
                                         <p:attrNameLst>
                                           <p:attrName>ppt_y</p:attrName>
@@ -29753,9 +29729,9 @@
                                     </p:anim>
                                     <p:anim calcmode="lin" valueType="num">
                                       <p:cBhvr>
-                                        <p:cTn id="32" dur="500" fill="hold"/>
-                                        <p:tgtEl>
-                                          <p:spTgt spid="6"/>
+                                        <p:cTn id="28" dur="500" fill="hold"/>
+                                        <p:tgtEl>
+                                          <p:spTgt spid="5"/>
                                         </p:tgtEl>
                                         <p:attrNameLst>
                                           <p:attrName>ppt_h</p:attrName>
@@ -29781,9 +29757,9 @@
                                     </p:anim>
                                     <p:anim calcmode="lin" valueType="num">
                                       <p:cBhvr>
-                                        <p:cTn id="33" dur="500" fill="hold"/>
-                                        <p:tgtEl>
-                                          <p:spTgt spid="6"/>
+                                        <p:cTn id="29" dur="500" fill="hold"/>
+                                        <p:tgtEl>
+                                          <p:spTgt spid="5"/>
                                         </p:tgtEl>
                                         <p:attrNameLst>
                                           <p:attrName>ppt_w</p:attrName>
@@ -29809,9 +29785,9 @@
                                     </p:anim>
                                     <p:animEffect transition="in" filter="fade">
                                       <p:cBhvr>
-                                        <p:cTn id="34" dur="500" tmFilter="0,0; .5, 1; 1, 1"/>
-                                        <p:tgtEl>
-                                          <p:spTgt spid="6"/>
+                                        <p:cTn id="30" dur="500" tmFilter="0,0; .5, 1; 1, 1"/>
+                                        <p:tgtEl>
+                                          <p:spTgt spid="5"/>
                                         </p:tgtEl>
                                       </p:cBhvr>
                                     </p:animEffect>
@@ -29825,19 +29801,19 @@
                     </p:cTn>
                   </p:par>
                   <p:par>
-                    <p:cTn id="35" fill="hold">
+                    <p:cTn id="31" fill="hold">
                       <p:stCondLst>
                         <p:cond delay="indefinite"/>
                       </p:stCondLst>
                       <p:childTnLst>
                         <p:par>
-                          <p:cTn id="36" fill="hold">
+                          <p:cTn id="32" fill="hold">
                             <p:stCondLst>
                               <p:cond delay="0"/>
                             </p:stCondLst>
                             <p:childTnLst>
                               <p:par>
-                                <p:cTn id="37" presetID="41" presetClass="entr" presetSubtype="0" fill="hold" grpId="0" nodeType="clickEffect">
+                                <p:cTn id="33" presetID="41" presetClass="entr" presetSubtype="0" fill="hold" grpId="0" nodeType="clickEffect">
                                   <p:stCondLst>
                                     <p:cond delay="0"/>
                                   </p:stCondLst>
@@ -29847,13 +29823,13 @@
                                   <p:childTnLst>
                                     <p:set>
                                       <p:cBhvr>
-                                        <p:cTn id="38" dur="1" fill="hold">
+                                        <p:cTn id="34" dur="1" fill="hold">
                                           <p:stCondLst>
                                             <p:cond delay="0"/>
                                           </p:stCondLst>
                                         </p:cTn>
                                         <p:tgtEl>
-                                          <p:spTgt spid="13"/>
+                                          <p:spTgt spid="6"/>
                                         </p:tgtEl>
                                         <p:attrNameLst>
                                           <p:attrName>style.visibility</p:attrName>
@@ -29865,9 +29841,9 @@
                                     </p:set>
                                     <p:anim calcmode="lin" valueType="num">
                                       <p:cBhvr>
-                                        <p:cTn id="39" dur="500" fill="hold"/>
-                                        <p:tgtEl>
-                                          <p:spTgt spid="13"/>
+                                        <p:cTn id="35" dur="500" fill="hold"/>
+                                        <p:tgtEl>
+                                          <p:spTgt spid="6"/>
                                         </p:tgtEl>
                                         <p:attrNameLst>
                                           <p:attrName>ppt_x</p:attrName>
@@ -29893,9 +29869,9 @@
                                     </p:anim>
                                     <p:anim calcmode="lin" valueType="num">
                                       <p:cBhvr>
-                                        <p:cTn id="40" dur="500" fill="hold"/>
-                                        <p:tgtEl>
-                                          <p:spTgt spid="13"/>
+                                        <p:cTn id="36" dur="500" fill="hold"/>
+                                        <p:tgtEl>
+                                          <p:spTgt spid="6"/>
                                         </p:tgtEl>
                                         <p:attrNameLst>
                                           <p:attrName>ppt_y</p:attrName>
@@ -29916,9 +29892,9 @@
                                     </p:anim>
                                     <p:anim calcmode="lin" valueType="num">
                                       <p:cBhvr>
-                                        <p:cTn id="41" dur="500" fill="hold"/>
-                                        <p:tgtEl>
-                                          <p:spTgt spid="13"/>
+                                        <p:cTn id="37" dur="500" fill="hold"/>
+                                        <p:tgtEl>
+                                          <p:spTgt spid="6"/>
                                         </p:tgtEl>
                                         <p:attrNameLst>
                                           <p:attrName>ppt_h</p:attrName>
@@ -29944,9 +29920,9 @@
                                     </p:anim>
                                     <p:anim calcmode="lin" valueType="num">
                                       <p:cBhvr>
-                                        <p:cTn id="42" dur="500" fill="hold"/>
-                                        <p:tgtEl>
-                                          <p:spTgt spid="13"/>
+                                        <p:cTn id="38" dur="500" fill="hold"/>
+                                        <p:tgtEl>
+                                          <p:spTgt spid="6"/>
                                         </p:tgtEl>
                                         <p:attrNameLst>
                                           <p:attrName>ppt_w</p:attrName>
@@ -29972,7 +29948,170 @@
                                     </p:anim>
                                     <p:animEffect transition="in" filter="fade">
                                       <p:cBhvr>
-                                        <p:cTn id="43" dur="500" tmFilter="0,0; .5, 1; 1, 1"/>
+                                        <p:cTn id="39" dur="500" tmFilter="0,0; .5, 1; 1, 1"/>
+                                        <p:tgtEl>
+                                          <p:spTgt spid="6"/>
+                                        </p:tgtEl>
+                                      </p:cBhvr>
+                                    </p:animEffect>
+                                  </p:childTnLst>
+                                </p:cTn>
+                              </p:par>
+                            </p:childTnLst>
+                          </p:cTn>
+                        </p:par>
+                      </p:childTnLst>
+                    </p:cTn>
+                  </p:par>
+                  <p:par>
+                    <p:cTn id="40" fill="hold">
+                      <p:stCondLst>
+                        <p:cond delay="indefinite"/>
+                      </p:stCondLst>
+                      <p:childTnLst>
+                        <p:par>
+                          <p:cTn id="41" fill="hold">
+                            <p:stCondLst>
+                              <p:cond delay="0"/>
+                            </p:stCondLst>
+                            <p:childTnLst>
+                              <p:par>
+                                <p:cTn id="42" presetID="41" presetClass="entr" presetSubtype="0" fill="hold" grpId="0" nodeType="clickEffect">
+                                  <p:stCondLst>
+                                    <p:cond delay="0"/>
+                                  </p:stCondLst>
+                                  <p:iterate type="lt">
+                                    <p:tmPct val="10000"/>
+                                  </p:iterate>
+                                  <p:childTnLst>
+                                    <p:set>
+                                      <p:cBhvr>
+                                        <p:cTn id="43" dur="1" fill="hold">
+                                          <p:stCondLst>
+                                            <p:cond delay="0"/>
+                                          </p:stCondLst>
+                                        </p:cTn>
+                                        <p:tgtEl>
+                                          <p:spTgt spid="13"/>
+                                        </p:tgtEl>
+                                        <p:attrNameLst>
+                                          <p:attrName>style.visibility</p:attrName>
+                                        </p:attrNameLst>
+                                      </p:cBhvr>
+                                      <p:to>
+                                        <p:strVal val="visible"/>
+                                      </p:to>
+                                    </p:set>
+                                    <p:anim calcmode="lin" valueType="num">
+                                      <p:cBhvr>
+                                        <p:cTn id="44" dur="500" fill="hold"/>
+                                        <p:tgtEl>
+                                          <p:spTgt spid="13"/>
+                                        </p:tgtEl>
+                                        <p:attrNameLst>
+                                          <p:attrName>ppt_x</p:attrName>
+                                        </p:attrNameLst>
+                                      </p:cBhvr>
+                                      <p:tavLst>
+                                        <p:tav tm="0">
+                                          <p:val>
+                                            <p:strVal val="#ppt_x"/>
+                                          </p:val>
+                                        </p:tav>
+                                        <p:tav tm="50000">
+                                          <p:val>
+                                            <p:strVal val="#ppt_x+.1"/>
+                                          </p:val>
+                                        </p:tav>
+                                        <p:tav tm="100000">
+                                          <p:val>
+                                            <p:strVal val="#ppt_x"/>
+                                          </p:val>
+                                        </p:tav>
+                                      </p:tavLst>
+                                    </p:anim>
+                                    <p:anim calcmode="lin" valueType="num">
+                                      <p:cBhvr>
+                                        <p:cTn id="45" dur="500" fill="hold"/>
+                                        <p:tgtEl>
+                                          <p:spTgt spid="13"/>
+                                        </p:tgtEl>
+                                        <p:attrNameLst>
+                                          <p:attrName>ppt_y</p:attrName>
+                                        </p:attrNameLst>
+                                      </p:cBhvr>
+                                      <p:tavLst>
+                                        <p:tav tm="0">
+                                          <p:val>
+                                            <p:strVal val="#ppt_y"/>
+                                          </p:val>
+                                        </p:tav>
+                                        <p:tav tm="100000">
+                                          <p:val>
+                                            <p:strVal val="#ppt_y"/>
+                                          </p:val>
+                                        </p:tav>
+                                      </p:tavLst>
+                                    </p:anim>
+                                    <p:anim calcmode="lin" valueType="num">
+                                      <p:cBhvr>
+                                        <p:cTn id="46" dur="500" fill="hold"/>
+                                        <p:tgtEl>
+                                          <p:spTgt spid="13"/>
+                                        </p:tgtEl>
+                                        <p:attrNameLst>
+                                          <p:attrName>ppt_h</p:attrName>
+                                        </p:attrNameLst>
+                                      </p:cBhvr>
+                                      <p:tavLst>
+                                        <p:tav tm="0">
+                                          <p:val>
+                                            <p:strVal val="#ppt_h/10"/>
+                                          </p:val>
+                                        </p:tav>
+                                        <p:tav tm="50000">
+                                          <p:val>
+                                            <p:strVal val="#ppt_h+.01"/>
+                                          </p:val>
+                                        </p:tav>
+                                        <p:tav tm="100000">
+                                          <p:val>
+                                            <p:strVal val="#ppt_h"/>
+                                          </p:val>
+                                        </p:tav>
+                                      </p:tavLst>
+                                    </p:anim>
+                                    <p:anim calcmode="lin" valueType="num">
+                                      <p:cBhvr>
+                                        <p:cTn id="47" dur="500" fill="hold"/>
+                                        <p:tgtEl>
+                                          <p:spTgt spid="13"/>
+                                        </p:tgtEl>
+                                        <p:attrNameLst>
+                                          <p:attrName>ppt_w</p:attrName>
+                                        </p:attrNameLst>
+                                      </p:cBhvr>
+                                      <p:tavLst>
+                                        <p:tav tm="0">
+                                          <p:val>
+                                            <p:strVal val="#ppt_w/10"/>
+                                          </p:val>
+                                        </p:tav>
+                                        <p:tav tm="50000">
+                                          <p:val>
+                                            <p:strVal val="#ppt_w+.01"/>
+                                          </p:val>
+                                        </p:tav>
+                                        <p:tav tm="100000">
+                                          <p:val>
+                                            <p:strVal val="#ppt_w"/>
+                                          </p:val>
+                                        </p:tav>
+                                      </p:tavLst>
+                                    </p:anim>
+                                    <p:animEffect transition="in" filter="fade">
+                                      <p:cBhvr>
+                                        <p:cTn id="48" dur="500" tmFilter="0,0; .5, 1; 1, 1"/>
                                         <p:tgtEl>
                                           <p:spTgt spid="13"/>
                                         </p:tgtEl>
